--- a/crash-course/20230617-intro/intro-to-website.pptx
+++ b/crash-course/20230617-intro/intro-to-website.pptx
@@ -5,7 +5,7 @@
     <p:sldMasterId id="2147483648" r:id="rId1"/>
   </p:sldMasterIdLst>
   <p:notesMasterIdLst>
-    <p:notesMasterId r:id="rId23"/>
+    <p:notesMasterId r:id="rId25"/>
   </p:notesMasterIdLst>
   <p:sldIdLst>
     <p:sldId id="256" r:id="rId2"/>
@@ -25,10 +25,12 @@
     <p:sldId id="282" r:id="rId16"/>
     <p:sldId id="285" r:id="rId17"/>
     <p:sldId id="286" r:id="rId18"/>
-    <p:sldId id="288" r:id="rId19"/>
-    <p:sldId id="289" r:id="rId20"/>
-    <p:sldId id="261" r:id="rId21"/>
-    <p:sldId id="270" r:id="rId22"/>
+    <p:sldId id="291" r:id="rId19"/>
+    <p:sldId id="288" r:id="rId20"/>
+    <p:sldId id="292" r:id="rId21"/>
+    <p:sldId id="289" r:id="rId22"/>
+    <p:sldId id="261" r:id="rId23"/>
+    <p:sldId id="270" r:id="rId24"/>
   </p:sldIdLst>
   <p:sldSz cx="12192000" cy="6858000"/>
   <p:notesSz cx="6858000" cy="9144000"/>
@@ -217,7 +219,7 @@
           <a:p>
             <a:fld id="{23A89A84-B49D-4BBC-B2F1-D40A0CCB7390}" type="datetimeFigureOut">
               <a:rPr lang="en-CA" smtClean="0"/>
-              <a:t>2023-06-15</a:t>
+              <a:t>2023-06-16</a:t>
             </a:fld>
             <a:endParaRPr lang="en-CA"/>
           </a:p>
@@ -987,7 +989,7 @@
           <a:p>
             <a:fld id="{A857E3B2-F749-45FE-9390-A42869309754}" type="datetimeFigureOut">
               <a:rPr lang="en-CA" smtClean="0"/>
-              <a:t>2023-06-15</a:t>
+              <a:t>2023-06-16</a:t>
             </a:fld>
             <a:endParaRPr lang="en-CA"/>
           </a:p>
@@ -1276,7 +1278,7 @@
           <a:p>
             <a:fld id="{A857E3B2-F749-45FE-9390-A42869309754}" type="datetimeFigureOut">
               <a:rPr lang="en-CA" smtClean="0"/>
-              <a:t>2023-06-15</a:t>
+              <a:t>2023-06-16</a:t>
             </a:fld>
             <a:endParaRPr lang="en-CA"/>
           </a:p>
@@ -1476,7 +1478,7 @@
           <a:p>
             <a:fld id="{A857E3B2-F749-45FE-9390-A42869309754}" type="datetimeFigureOut">
               <a:rPr lang="en-CA" smtClean="0"/>
-              <a:t>2023-06-15</a:t>
+              <a:t>2023-06-16</a:t>
             </a:fld>
             <a:endParaRPr lang="en-CA"/>
           </a:p>
@@ -1686,7 +1688,7 @@
           <a:p>
             <a:fld id="{A857E3B2-F749-45FE-9390-A42869309754}" type="datetimeFigureOut">
               <a:rPr lang="en-CA" smtClean="0"/>
-              <a:t>2023-06-15</a:t>
+              <a:t>2023-06-16</a:t>
             </a:fld>
             <a:endParaRPr lang="en-CA"/>
           </a:p>
@@ -2086,7 +2088,7 @@
           <a:p>
             <a:fld id="{A857E3B2-F749-45FE-9390-A42869309754}" type="datetimeFigureOut">
               <a:rPr lang="en-CA" smtClean="0"/>
-              <a:t>2023-06-15</a:t>
+              <a:t>2023-06-16</a:t>
             </a:fld>
             <a:endParaRPr lang="en-CA"/>
           </a:p>
@@ -2286,7 +2288,7 @@
           <a:p>
             <a:fld id="{A857E3B2-F749-45FE-9390-A42869309754}" type="datetimeFigureOut">
               <a:rPr lang="en-CA" smtClean="0"/>
-              <a:t>2023-06-15</a:t>
+              <a:t>2023-06-16</a:t>
             </a:fld>
             <a:endParaRPr lang="en-CA"/>
           </a:p>
@@ -2562,7 +2564,7 @@
           <a:p>
             <a:fld id="{A857E3B2-F749-45FE-9390-A42869309754}" type="datetimeFigureOut">
               <a:rPr lang="en-CA" smtClean="0"/>
-              <a:t>2023-06-15</a:t>
+              <a:t>2023-06-16</a:t>
             </a:fld>
             <a:endParaRPr lang="en-CA"/>
           </a:p>
@@ -2830,7 +2832,7 @@
           <a:p>
             <a:fld id="{A857E3B2-F749-45FE-9390-A42869309754}" type="datetimeFigureOut">
               <a:rPr lang="en-CA" smtClean="0"/>
-              <a:t>2023-06-15</a:t>
+              <a:t>2023-06-16</a:t>
             </a:fld>
             <a:endParaRPr lang="en-CA"/>
           </a:p>
@@ -3245,7 +3247,7 @@
           <a:p>
             <a:fld id="{A857E3B2-F749-45FE-9390-A42869309754}" type="datetimeFigureOut">
               <a:rPr lang="en-CA" smtClean="0"/>
-              <a:t>2023-06-15</a:t>
+              <a:t>2023-06-16</a:t>
             </a:fld>
             <a:endParaRPr lang="en-CA"/>
           </a:p>
@@ -3387,7 +3389,7 @@
           <a:p>
             <a:fld id="{A857E3B2-F749-45FE-9390-A42869309754}" type="datetimeFigureOut">
               <a:rPr lang="en-CA" smtClean="0"/>
-              <a:t>2023-06-15</a:t>
+              <a:t>2023-06-16</a:t>
             </a:fld>
             <a:endParaRPr lang="en-CA"/>
           </a:p>
@@ -3500,7 +3502,7 @@
           <a:p>
             <a:fld id="{A857E3B2-F749-45FE-9390-A42869309754}" type="datetimeFigureOut">
               <a:rPr lang="en-CA" smtClean="0"/>
-              <a:t>2023-06-15</a:t>
+              <a:t>2023-06-16</a:t>
             </a:fld>
             <a:endParaRPr lang="en-CA"/>
           </a:p>
@@ -3743,7 +3745,7 @@
           <a:p>
             <a:fld id="{A857E3B2-F749-45FE-9390-A42869309754}" type="datetimeFigureOut">
               <a:rPr lang="en-CA" smtClean="0"/>
-              <a:t>2023-06-15</a:t>
+              <a:t>2023-06-16</a:t>
             </a:fld>
             <a:endParaRPr lang="en-CA"/>
           </a:p>
@@ -11102,7 +11104,7 @@
           <p:nvPr>
             <p:extLst>
               <p:ext uri="{D42A27DB-BD31-4B8C-83A1-F6EECF244321}">
-                <p14:modId xmlns:p14="http://schemas.microsoft.com/office/powerpoint/2010/main" val="2189455339"/>
+                <p14:modId xmlns:p14="http://schemas.microsoft.com/office/powerpoint/2010/main" val="1510154806"/>
               </p:ext>
             </p:extLst>
           </p:nvPr>
@@ -11341,7 +11343,7 @@
                             <a:schemeClr val="tx1"/>
                           </a:solidFill>
                         </a:rPr>
-                        <a:t>&lt;body&gt;</a:t>
+                        <a:t>&lt;title&gt;</a:t>
                       </a:r>
                     </a:p>
                   </a:txBody>
@@ -11360,7 +11362,7 @@
                             <a:schemeClr val="tx1"/>
                           </a:solidFill>
                         </a:rPr>
-                        <a:t>Body content</a:t>
+                        <a:t>Title of web page</a:t>
                       </a:r>
                     </a:p>
                   </a:txBody>
@@ -11440,7 +11442,7 @@
                             <a:schemeClr val="tx1"/>
                           </a:solidFill>
                         </a:rPr>
-                        <a:t>&lt;h1&gt;</a:t>
+                        <a:t>&lt;body&gt;</a:t>
                       </a:r>
                     </a:p>
                   </a:txBody>
@@ -11459,7 +11461,7 @@
                             <a:schemeClr val="tx1"/>
                           </a:solidFill>
                         </a:rPr>
-                        <a:t>Main header (&lt;h2&gt; to &lt;h6&gt;)</a:t>
+                        <a:t>Body content</a:t>
                       </a:r>
                     </a:p>
                   </a:txBody>
@@ -11517,11 +11519,14 @@
                     <a:bodyPr/>
                     <a:lstStyle/>
                     <a:p>
-                      <a:endParaRPr lang="en-US" b="0" i="0" baseline="0" dirty="0">
-                        <a:solidFill>
-                          <a:schemeClr val="tx1"/>
-                        </a:solidFill>
-                      </a:endParaRPr>
+                      <a:r>
+                        <a:rPr lang="en-US" b="0" i="0" baseline="0" dirty="0">
+                          <a:solidFill>
+                            <a:schemeClr val="tx1"/>
+                          </a:solidFill>
+                        </a:rPr>
+                        <a:t>&lt;h1&gt;</a:t>
+                      </a:r>
                     </a:p>
                   </a:txBody>
                   <a:tcPr>
@@ -11533,11 +11538,14 @@
                     <a:bodyPr/>
                     <a:lstStyle/>
                     <a:p>
-                      <a:endParaRPr lang="en-US" b="0" i="0" baseline="0" dirty="0">
-                        <a:solidFill>
-                          <a:schemeClr val="tx1"/>
-                        </a:solidFill>
-                      </a:endParaRPr>
+                      <a:r>
+                        <a:rPr lang="en-US" b="0" i="0" baseline="0" dirty="0">
+                          <a:solidFill>
+                            <a:schemeClr val="tx1"/>
+                          </a:solidFill>
+                        </a:rPr>
+                        <a:t>Main header (&lt;h2&gt; to &lt;h6&gt;)</a:t>
+                      </a:r>
                     </a:p>
                   </a:txBody>
                   <a:tcPr>
@@ -11594,11 +11602,14 @@
                     <a:bodyPr/>
                     <a:lstStyle/>
                     <a:p>
-                      <a:endParaRPr lang="en-US" b="0" i="0" baseline="0" dirty="0">
-                        <a:solidFill>
-                          <a:schemeClr val="tx1"/>
-                        </a:solidFill>
-                      </a:endParaRPr>
+                      <a:r>
+                        <a:rPr lang="en-US" b="0" i="0" baseline="0" dirty="0">
+                          <a:solidFill>
+                            <a:schemeClr val="tx1"/>
+                          </a:solidFill>
+                        </a:rPr>
+                        <a:t>&lt;nav&gt;</a:t>
+                      </a:r>
                     </a:p>
                   </a:txBody>
                   <a:tcPr>
@@ -11610,11 +11621,14 @@
                     <a:bodyPr/>
                     <a:lstStyle/>
                     <a:p>
-                      <a:endParaRPr lang="en-US" b="0" i="0" baseline="0" dirty="0">
-                        <a:solidFill>
-                          <a:schemeClr val="tx1"/>
-                        </a:solidFill>
-                      </a:endParaRPr>
+                      <a:r>
+                        <a:rPr lang="en-US" b="0" i="0" baseline="0" dirty="0">
+                          <a:solidFill>
+                            <a:schemeClr val="tx1"/>
+                          </a:solidFill>
+                        </a:rPr>
+                        <a:t>Navigation</a:t>
+                      </a:r>
                     </a:p>
                   </a:txBody>
                   <a:tcPr>
@@ -11837,7 +11851,23 @@
                 <a:ea typeface="Open Sans" panose="020B0606030504020204" pitchFamily="34" charset="0"/>
                 <a:cs typeface="Open Sans" panose="020B0606030504020204" pitchFamily="34" charset="0"/>
               </a:rPr>
-              <a:t>Search google for full list of HTML reference</a:t>
+              <a:t>Search google for </a:t>
+            </a:r>
+            <a:r>
+              <a:rPr lang="en-CA">
+                <a:latin typeface="Open Sans" panose="020B0606030504020204" pitchFamily="34" charset="0"/>
+                <a:ea typeface="Open Sans" panose="020B0606030504020204" pitchFamily="34" charset="0"/>
+                <a:cs typeface="Open Sans" panose="020B0606030504020204" pitchFamily="34" charset="0"/>
+              </a:rPr>
+              <a:t>full HTML </a:t>
+            </a:r>
+            <a:r>
+              <a:rPr lang="en-CA" dirty="0">
+                <a:latin typeface="Open Sans" panose="020B0606030504020204" pitchFamily="34" charset="0"/>
+                <a:ea typeface="Open Sans" panose="020B0606030504020204" pitchFamily="34" charset="0"/>
+                <a:cs typeface="Open Sans" panose="020B0606030504020204" pitchFamily="34" charset="0"/>
+              </a:rPr>
+              <a:t>reference</a:t>
             </a:r>
           </a:p>
         </p:txBody>
@@ -11877,7 +11907,7 @@
           <p:cNvPr id="2" name="Rectangle 1">
             <a:extLst>
               <a:ext uri="{FF2B5EF4-FFF2-40B4-BE49-F238E27FC236}">
-                <a16:creationId xmlns:a16="http://schemas.microsoft.com/office/drawing/2014/main" id="{1DC51187-06DB-137C-4124-D4ACFA940714}"/>
+                <a16:creationId xmlns:a16="http://schemas.microsoft.com/office/drawing/2014/main" id="{9A46497E-08E3-42E3-B95C-DE59A20F68FB}"/>
               </a:ext>
             </a:extLst>
           </p:cNvPr>
@@ -11931,7 +11961,7 @@
           <p:cNvPr id="3" name="TextBox 2">
             <a:extLst>
               <a:ext uri="{FF2B5EF4-FFF2-40B4-BE49-F238E27FC236}">
-                <a16:creationId xmlns:a16="http://schemas.microsoft.com/office/drawing/2014/main" id="{78796374-6F31-603B-C8D3-8C7A71F397F2}"/>
+                <a16:creationId xmlns:a16="http://schemas.microsoft.com/office/drawing/2014/main" id="{D6AA3631-133A-4901-BC13-5DF81E89F1CF}"/>
               </a:ext>
             </a:extLst>
           </p:cNvPr>
@@ -11940,8 +11970,8 @@
         </p:nvSpPr>
         <p:spPr>
           <a:xfrm>
-            <a:off x="3674792" y="912183"/>
-            <a:ext cx="4716272" cy="630942"/>
+            <a:off x="1750167" y="913721"/>
+            <a:ext cx="8543464" cy="630942"/>
           </a:xfrm>
           <a:prstGeom prst="rect">
             <a:avLst/>
@@ -11956,10 +11986,10 @@
           <a:p>
             <a:pPr algn="ctr"/>
             <a:r>
-              <a:rPr lang="en-CA" sz="3500">
+              <a:rPr lang="en-CA" sz="3500" dirty="0">
                 <a:latin typeface="Proxima Nova Bl" panose="02000506030000020004" pitchFamily="50" charset="0"/>
               </a:rPr>
-              <a:t>WHAT IS CSS?</a:t>
+              <a:t>WEB SEMANTIC</a:t>
             </a:r>
           </a:p>
         </p:txBody>
@@ -11969,7 +11999,7 @@
           <p:cNvPr id="4" name="TextBox 3">
             <a:extLst>
               <a:ext uri="{FF2B5EF4-FFF2-40B4-BE49-F238E27FC236}">
-                <a16:creationId xmlns:a16="http://schemas.microsoft.com/office/drawing/2014/main" id="{4E93DF1A-E222-4711-B1CB-B810F86AA7C5}"/>
+                <a16:creationId xmlns:a16="http://schemas.microsoft.com/office/drawing/2014/main" id="{ECFA45BD-A506-3451-AACA-00CE57E5E29D}"/>
               </a:ext>
             </a:extLst>
           </p:cNvPr>
@@ -11978,8 +12008,8 @@
         </p:nvSpPr>
         <p:spPr>
           <a:xfrm>
-            <a:off x="822960" y="2002192"/>
-            <a:ext cx="10831484" cy="584775"/>
+            <a:off x="1284176" y="2721486"/>
+            <a:ext cx="9354516" cy="2123658"/>
           </a:xfrm>
           <a:prstGeom prst="rect">
             <a:avLst/>
@@ -11992,603 +12022,109 @@
           </a:bodyPr>
           <a:lstStyle/>
           <a:p>
-            <a:r>
-              <a:rPr lang="en-CA" sz="1600" b="1">
-                <a:solidFill>
-                  <a:srgbClr val="7030A0"/>
-                </a:solidFill>
-                <a:latin typeface="Open Sans" panose="020B0606030504020204" pitchFamily="34" charset="0"/>
-                <a:ea typeface="Open Sans" panose="020B0606030504020204" pitchFamily="34" charset="0"/>
-                <a:cs typeface="Open Sans" panose="020B0606030504020204" pitchFamily="34" charset="0"/>
-              </a:rPr>
-              <a:t>Cascading Style Sheets (CSS)</a:t>
-            </a:r>
-            <a:r>
-              <a:rPr lang="en-CA" sz="1600">
-                <a:latin typeface="Open Sans" panose="020B0606030504020204" pitchFamily="34" charset="0"/>
-                <a:ea typeface="Open Sans" panose="020B0606030504020204" pitchFamily="34" charset="0"/>
-                <a:cs typeface="Open Sans" panose="020B0606030504020204" pitchFamily="34" charset="0"/>
-              </a:rPr>
-              <a:t> is a language that consist of declarations / rules that describe the visual representation of HTML documents in a web browser.  Here are 3 different ways to incorporate CSS into HTML:</a:t>
-            </a:r>
-          </a:p>
-        </p:txBody>
-      </p:sp>
-      <p:sp>
-        <p:nvSpPr>
-          <p:cNvPr id="5" name="TextBox 4">
-            <a:extLst>
-              <a:ext uri="{FF2B5EF4-FFF2-40B4-BE49-F238E27FC236}">
-                <a16:creationId xmlns:a16="http://schemas.microsoft.com/office/drawing/2014/main" id="{3D467661-2F53-E011-2C76-D35FACACEE16}"/>
-              </a:ext>
-            </a:extLst>
-          </p:cNvPr>
-          <p:cNvSpPr txBox="1"/>
-          <p:nvPr/>
-        </p:nvSpPr>
-        <p:spPr>
-          <a:xfrm>
-            <a:off x="8013470" y="3645127"/>
-            <a:ext cx="3092334" cy="1754326"/>
-          </a:xfrm>
-          <a:prstGeom prst="rect">
-            <a:avLst/>
-          </a:prstGeom>
-          <a:solidFill>
-            <a:schemeClr val="bg2"/>
-          </a:solidFill>
-        </p:spPr>
-        <p:txBody>
-          <a:bodyPr wrap="square" rtlCol="0">
-            <a:spAutoFit/>
-          </a:bodyPr>
-          <a:lstStyle/>
-          <a:p>
-            <a:r>
-              <a:rPr lang="en-US" sz="1200"/>
-              <a:t>&lt;!DOCTYPE html&gt;</a:t>
-            </a:r>
-          </a:p>
-          <a:p>
-            <a:r>
-              <a:rPr lang="en-US" sz="1200"/>
-              <a:t>&lt;html&gt;</a:t>
-            </a:r>
-          </a:p>
-          <a:p>
-            <a:r>
-              <a:rPr lang="en-US" sz="1200"/>
-              <a:t>  &lt;head&gt;</a:t>
-            </a:r>
-          </a:p>
-          <a:p>
-            <a:r>
-              <a:rPr lang="en-US" sz="1200">
-                <a:solidFill>
-                  <a:srgbClr val="00B0F0"/>
-                </a:solidFill>
-              </a:rPr>
-              <a:t>    &lt;link href="my-style.css" rel="stylesheet" /&gt;</a:t>
-            </a:r>
-          </a:p>
-          <a:p>
-            <a:r>
-              <a:rPr lang="en-US" sz="1200"/>
-              <a:t>  &lt;/head&gt;</a:t>
-            </a:r>
-          </a:p>
-          <a:p>
-            <a:r>
-              <a:rPr lang="en-US" sz="1200"/>
-              <a:t>  &lt;body&gt;</a:t>
-            </a:r>
-          </a:p>
-          <a:p>
-            <a:r>
-              <a:rPr lang="en-US" sz="1200"/>
-              <a:t>    &lt;p&gt;hello world&lt;/p&gt;</a:t>
-            </a:r>
-          </a:p>
-          <a:p>
-            <a:r>
-              <a:rPr lang="en-US" sz="1200"/>
-              <a:t>  &lt;/body&gt;</a:t>
-            </a:r>
-          </a:p>
-          <a:p>
-            <a:r>
-              <a:rPr lang="en-US" sz="1200"/>
-              <a:t>&lt;/html&gt;</a:t>
-            </a:r>
-            <a:endParaRPr lang="en-CA" sz="1200"/>
-          </a:p>
-        </p:txBody>
-      </p:sp>
-      <p:sp>
-        <p:nvSpPr>
-          <p:cNvPr id="6" name="TextBox 5">
-            <a:extLst>
-              <a:ext uri="{FF2B5EF4-FFF2-40B4-BE49-F238E27FC236}">
-                <a16:creationId xmlns:a16="http://schemas.microsoft.com/office/drawing/2014/main" id="{F814A838-E8A0-5D54-E5C4-6ED255BC31A4}"/>
-              </a:ext>
-            </a:extLst>
-          </p:cNvPr>
-          <p:cNvSpPr txBox="1"/>
-          <p:nvPr/>
-        </p:nvSpPr>
-        <p:spPr>
-          <a:xfrm>
-            <a:off x="822960" y="3149763"/>
-            <a:ext cx="2948246" cy="1569660"/>
-          </a:xfrm>
-          <a:prstGeom prst="rect">
-            <a:avLst/>
-          </a:prstGeom>
-          <a:solidFill>
-            <a:schemeClr val="bg2"/>
-          </a:solidFill>
-        </p:spPr>
-        <p:txBody>
-          <a:bodyPr wrap="square" rtlCol="0">
-            <a:spAutoFit/>
-          </a:bodyPr>
-          <a:lstStyle/>
-          <a:p>
-            <a:r>
-              <a:rPr lang="en-US" sz="1200"/>
-              <a:t>&lt;!DOCTYPE html&gt;</a:t>
-            </a:r>
-          </a:p>
-          <a:p>
-            <a:r>
-              <a:rPr lang="en-US" sz="1200"/>
-              <a:t>&lt;html&gt;</a:t>
-            </a:r>
-          </a:p>
-          <a:p>
-            <a:r>
-              <a:rPr lang="en-US" sz="1200"/>
-              <a:t>  &lt;head&gt;</a:t>
-            </a:r>
-          </a:p>
-          <a:p>
-            <a:r>
-              <a:rPr lang="en-US" sz="1200"/>
-              <a:t>  &lt;/head&gt;</a:t>
-            </a:r>
-          </a:p>
-          <a:p>
-            <a:r>
-              <a:rPr lang="en-US" sz="1200"/>
-              <a:t>  &lt;body&gt;</a:t>
-            </a:r>
-          </a:p>
-          <a:p>
-            <a:r>
-              <a:rPr lang="en-US" sz="1200"/>
-              <a:t>    &lt;p</a:t>
-            </a:r>
-            <a:r>
-              <a:rPr lang="en-US" sz="1200">
-                <a:solidFill>
-                  <a:srgbClr val="00B0F0"/>
-                </a:solidFill>
-              </a:rPr>
-              <a:t> style="color:red;"</a:t>
-            </a:r>
-            <a:r>
-              <a:rPr lang="en-US" sz="1200"/>
-              <a:t>&gt;hello world&lt;/p&gt;</a:t>
-            </a:r>
-          </a:p>
-          <a:p>
-            <a:r>
-              <a:rPr lang="en-US" sz="1200"/>
-              <a:t>  &lt;/body&gt;</a:t>
-            </a:r>
-          </a:p>
-          <a:p>
-            <a:r>
-              <a:rPr lang="en-US" sz="1200"/>
-              <a:t>&lt;/html&gt;</a:t>
-            </a:r>
-            <a:endParaRPr lang="en-CA" sz="1200"/>
-          </a:p>
-        </p:txBody>
-      </p:sp>
-      <p:sp>
-        <p:nvSpPr>
-          <p:cNvPr id="7" name="TextBox 6">
-            <a:extLst>
-              <a:ext uri="{FF2B5EF4-FFF2-40B4-BE49-F238E27FC236}">
-                <a16:creationId xmlns:a16="http://schemas.microsoft.com/office/drawing/2014/main" id="{448BA9E6-08D8-AE69-340F-EF5D3F0723BD}"/>
-              </a:ext>
-            </a:extLst>
-          </p:cNvPr>
-          <p:cNvSpPr txBox="1"/>
-          <p:nvPr/>
-        </p:nvSpPr>
-        <p:spPr>
-          <a:xfrm>
-            <a:off x="4418215" y="3153159"/>
-            <a:ext cx="2948246" cy="2123658"/>
-          </a:xfrm>
-          <a:prstGeom prst="rect">
-            <a:avLst/>
-          </a:prstGeom>
-          <a:solidFill>
-            <a:schemeClr val="bg2"/>
-          </a:solidFill>
-        </p:spPr>
-        <p:txBody>
-          <a:bodyPr wrap="square" rtlCol="0">
-            <a:spAutoFit/>
-          </a:bodyPr>
-          <a:lstStyle/>
-          <a:p>
-            <a:r>
-              <a:rPr lang="en-US" sz="1200"/>
-              <a:t>&lt;!DOCTYPE html&gt;</a:t>
-            </a:r>
-          </a:p>
-          <a:p>
-            <a:r>
-              <a:rPr lang="en-US" sz="1200"/>
-              <a:t>&lt;html&gt;</a:t>
-            </a:r>
-          </a:p>
-          <a:p>
-            <a:r>
-              <a:rPr lang="en-US" sz="1200"/>
-              <a:t>  &lt;head&gt;</a:t>
-            </a:r>
-          </a:p>
-          <a:p>
-            <a:r>
-              <a:rPr lang="en-US" sz="1200">
-                <a:solidFill>
-                  <a:srgbClr val="00B0F0"/>
-                </a:solidFill>
-              </a:rPr>
-              <a:t>    &lt;style&gt;</a:t>
-            </a:r>
-          </a:p>
-          <a:p>
-            <a:r>
-              <a:rPr lang="en-US" sz="1200">
-                <a:solidFill>
-                  <a:srgbClr val="00B0F0"/>
-                </a:solidFill>
-              </a:rPr>
-              <a:t>       p {color:red;}</a:t>
-            </a:r>
-          </a:p>
-          <a:p>
-            <a:r>
-              <a:rPr lang="en-US" sz="1200">
-                <a:solidFill>
-                  <a:srgbClr val="00B0F0"/>
-                </a:solidFill>
-              </a:rPr>
-              <a:t>    &lt;/style&gt;</a:t>
-            </a:r>
-          </a:p>
-          <a:p>
-            <a:r>
-              <a:rPr lang="en-US" sz="1200"/>
-              <a:t>  &lt;/head&gt;</a:t>
-            </a:r>
-          </a:p>
-          <a:p>
-            <a:r>
-              <a:rPr lang="en-US" sz="1200"/>
-              <a:t>  &lt;body&gt;</a:t>
-            </a:r>
-          </a:p>
-          <a:p>
-            <a:r>
-              <a:rPr lang="en-US" sz="1200"/>
-              <a:t>    &lt;p&gt;hello world&lt;/p&gt;</a:t>
-            </a:r>
-          </a:p>
-          <a:p>
-            <a:r>
-              <a:rPr lang="en-US" sz="1200"/>
-              <a:t>  &lt;/body&gt;</a:t>
-            </a:r>
-          </a:p>
-          <a:p>
-            <a:r>
-              <a:rPr lang="en-US" sz="1200"/>
-              <a:t>&lt;/html&gt;</a:t>
-            </a:r>
-            <a:endParaRPr lang="en-CA" sz="1200"/>
-          </a:p>
-        </p:txBody>
-      </p:sp>
-      <p:sp>
-        <p:nvSpPr>
-          <p:cNvPr id="8" name="TextBox 7">
-            <a:extLst>
-              <a:ext uri="{FF2B5EF4-FFF2-40B4-BE49-F238E27FC236}">
-                <a16:creationId xmlns:a16="http://schemas.microsoft.com/office/drawing/2014/main" id="{0D149337-374F-703C-E79D-C4B67C85283A}"/>
-              </a:ext>
-            </a:extLst>
-          </p:cNvPr>
-          <p:cNvSpPr txBox="1"/>
-          <p:nvPr/>
-        </p:nvSpPr>
-        <p:spPr>
-          <a:xfrm>
-            <a:off x="8013470" y="3112356"/>
-            <a:ext cx="3092334" cy="461665"/>
-          </a:xfrm>
-          <a:prstGeom prst="rect">
-            <a:avLst/>
-          </a:prstGeom>
-          <a:solidFill>
-            <a:schemeClr val="bg2"/>
-          </a:solidFill>
-        </p:spPr>
-        <p:txBody>
-          <a:bodyPr wrap="square" rtlCol="0">
-            <a:spAutoFit/>
-          </a:bodyPr>
-          <a:lstStyle/>
-          <a:p>
-            <a:r>
-              <a:rPr lang="en-US" sz="1200"/>
-              <a:t>/* my-style.css */</a:t>
-            </a:r>
-          </a:p>
-          <a:p>
-            <a:r>
-              <a:rPr lang="en-US" sz="1200">
-                <a:solidFill>
-                  <a:srgbClr val="00B0F0"/>
-                </a:solidFill>
-              </a:rPr>
-              <a:t>p {color:red;}</a:t>
-            </a:r>
-            <a:endParaRPr lang="en-CA" sz="1200">
-              <a:solidFill>
-                <a:srgbClr val="00B0F0"/>
-              </a:solidFill>
-            </a:endParaRPr>
-          </a:p>
-        </p:txBody>
-      </p:sp>
-      <p:sp>
-        <p:nvSpPr>
-          <p:cNvPr id="9" name="TextBox 8">
-            <a:extLst>
-              <a:ext uri="{FF2B5EF4-FFF2-40B4-BE49-F238E27FC236}">
-                <a16:creationId xmlns:a16="http://schemas.microsoft.com/office/drawing/2014/main" id="{D054AD64-55B8-1ECF-F399-124FBFD6B367}"/>
-              </a:ext>
-            </a:extLst>
-          </p:cNvPr>
-          <p:cNvSpPr txBox="1"/>
-          <p:nvPr/>
-        </p:nvSpPr>
-        <p:spPr>
-          <a:xfrm>
-            <a:off x="822960" y="2748397"/>
-            <a:ext cx="2457796" cy="338554"/>
-          </a:xfrm>
-          <a:prstGeom prst="rect">
-            <a:avLst/>
-          </a:prstGeom>
-          <a:noFill/>
-        </p:spPr>
-        <p:txBody>
-          <a:bodyPr wrap="square" rtlCol="0">
-            <a:spAutoFit/>
-          </a:bodyPr>
-          <a:lstStyle/>
-          <a:p>
-            <a:r>
-              <a:rPr lang="en-CA" sz="1600" b="1">
-                <a:solidFill>
-                  <a:srgbClr val="00B050"/>
-                </a:solidFill>
-                <a:latin typeface="Open Sans" panose="020B0606030504020204" pitchFamily="34" charset="0"/>
-                <a:ea typeface="Open Sans" panose="020B0606030504020204" pitchFamily="34" charset="0"/>
-                <a:cs typeface="Open Sans" panose="020B0606030504020204" pitchFamily="34" charset="0"/>
-              </a:rPr>
-              <a:t>Inline</a:t>
-            </a:r>
-            <a:endParaRPr lang="en-CA" sz="1600">
-              <a:solidFill>
-                <a:srgbClr val="00B050"/>
-              </a:solidFill>
+            <a:pPr marL="457200" indent="-457200">
+              <a:buFont typeface="Arial" panose="020B0604020202020204" pitchFamily="34" charset="0"/>
+              <a:buChar char="•"/>
+            </a:pPr>
+            <a:r>
+              <a:rPr lang="en-CA" sz="2200" b="1" dirty="0">
+                <a:latin typeface="Open Sans" panose="020B0606030504020204" pitchFamily="34" charset="0"/>
+                <a:ea typeface="Open Sans" panose="020B0606030504020204" pitchFamily="34" charset="0"/>
+                <a:cs typeface="Open Sans" panose="020B0606030504020204" pitchFamily="34" charset="0"/>
+              </a:rPr>
+              <a:t>Search Engine Optimization </a:t>
+            </a:r>
+            <a:r>
+              <a:rPr lang="en-CA" sz="2200" dirty="0">
+                <a:latin typeface="Open Sans" panose="020B0606030504020204" pitchFamily="34" charset="0"/>
+                <a:ea typeface="Open Sans" panose="020B0606030504020204" pitchFamily="34" charset="0"/>
+                <a:cs typeface="Open Sans" panose="020B0606030504020204" pitchFamily="34" charset="0"/>
+              </a:rPr>
+              <a:t>– Search engines better understand your content.</a:t>
+            </a:r>
+            <a:endParaRPr lang="en-CA" sz="2200" b="1" dirty="0">
               <a:latin typeface="Open Sans" panose="020B0606030504020204" pitchFamily="34" charset="0"/>
               <a:ea typeface="Open Sans" panose="020B0606030504020204" pitchFamily="34" charset="0"/>
               <a:cs typeface="Open Sans" panose="020B0606030504020204" pitchFamily="34" charset="0"/>
             </a:endParaRPr>
           </a:p>
-        </p:txBody>
-      </p:sp>
-      <p:sp>
-        <p:nvSpPr>
-          <p:cNvPr id="10" name="TextBox 9">
-            <a:extLst>
-              <a:ext uri="{FF2B5EF4-FFF2-40B4-BE49-F238E27FC236}">
-                <a16:creationId xmlns:a16="http://schemas.microsoft.com/office/drawing/2014/main" id="{1C4B90BA-BF62-69DE-ED6F-53CBCEE9ACAF}"/>
-              </a:ext>
-            </a:extLst>
-          </p:cNvPr>
-          <p:cNvSpPr txBox="1"/>
-          <p:nvPr/>
-        </p:nvSpPr>
-        <p:spPr>
-          <a:xfrm>
-            <a:off x="4418215" y="2748397"/>
-            <a:ext cx="2457796" cy="338554"/>
-          </a:xfrm>
-          <a:prstGeom prst="rect">
-            <a:avLst/>
-          </a:prstGeom>
-          <a:noFill/>
-        </p:spPr>
-        <p:txBody>
-          <a:bodyPr wrap="square" rtlCol="0">
-            <a:spAutoFit/>
-          </a:bodyPr>
-          <a:lstStyle/>
-          <a:p>
-            <a:r>
-              <a:rPr lang="en-CA" sz="1600" b="1">
-                <a:solidFill>
-                  <a:srgbClr val="00B050"/>
-                </a:solidFill>
-                <a:latin typeface="Open Sans" panose="020B0606030504020204" pitchFamily="34" charset="0"/>
-                <a:ea typeface="Open Sans" panose="020B0606030504020204" pitchFamily="34" charset="0"/>
-                <a:cs typeface="Open Sans" panose="020B0606030504020204" pitchFamily="34" charset="0"/>
-              </a:rPr>
-              <a:t>Style Block</a:t>
-            </a:r>
-            <a:endParaRPr lang="en-CA" sz="1600">
-              <a:solidFill>
-                <a:srgbClr val="00B050"/>
-              </a:solidFill>
+          <a:p>
+            <a:pPr marL="457200" indent="-457200">
+              <a:buFont typeface="Arial" panose="020B0604020202020204" pitchFamily="34" charset="0"/>
+              <a:buChar char="•"/>
+            </a:pPr>
+            <a:endParaRPr lang="en-CA" sz="2200" dirty="0">
               <a:latin typeface="Open Sans" panose="020B0606030504020204" pitchFamily="34" charset="0"/>
               <a:ea typeface="Open Sans" panose="020B0606030504020204" pitchFamily="34" charset="0"/>
               <a:cs typeface="Open Sans" panose="020B0606030504020204" pitchFamily="34" charset="0"/>
             </a:endParaRPr>
           </a:p>
-        </p:txBody>
-      </p:sp>
-      <p:sp>
-        <p:nvSpPr>
-          <p:cNvPr id="11" name="TextBox 10">
-            <a:extLst>
-              <a:ext uri="{FF2B5EF4-FFF2-40B4-BE49-F238E27FC236}">
-                <a16:creationId xmlns:a16="http://schemas.microsoft.com/office/drawing/2014/main" id="{7BA5D743-03EE-3172-396B-AE18F4878627}"/>
-              </a:ext>
-            </a:extLst>
-          </p:cNvPr>
-          <p:cNvSpPr txBox="1"/>
-          <p:nvPr/>
-        </p:nvSpPr>
-        <p:spPr>
-          <a:xfrm>
-            <a:off x="8013470" y="2702696"/>
-            <a:ext cx="2457796" cy="338554"/>
-          </a:xfrm>
-          <a:prstGeom prst="rect">
-            <a:avLst/>
-          </a:prstGeom>
-          <a:noFill/>
-        </p:spPr>
-        <p:txBody>
-          <a:bodyPr wrap="square" rtlCol="0">
-            <a:spAutoFit/>
-          </a:bodyPr>
-          <a:lstStyle/>
-          <a:p>
-            <a:r>
-              <a:rPr lang="en-CA" sz="1600" b="1">
-                <a:solidFill>
-                  <a:srgbClr val="00B050"/>
-                </a:solidFill>
-                <a:latin typeface="Open Sans" panose="020B0606030504020204" pitchFamily="34" charset="0"/>
-                <a:ea typeface="Open Sans" panose="020B0606030504020204" pitchFamily="34" charset="0"/>
-                <a:cs typeface="Open Sans" panose="020B0606030504020204" pitchFamily="34" charset="0"/>
-              </a:rPr>
-              <a:t>Separate File</a:t>
-            </a:r>
-            <a:endParaRPr lang="en-CA" sz="1600">
-              <a:solidFill>
-                <a:srgbClr val="00B050"/>
-              </a:solidFill>
+          <a:p>
+            <a:pPr marL="457200" indent="-457200">
+              <a:buFont typeface="Arial" panose="020B0604020202020204" pitchFamily="34" charset="0"/>
+              <a:buChar char="•"/>
+            </a:pPr>
+            <a:r>
+              <a:rPr lang="en-CA" sz="2200" b="1" dirty="0">
+                <a:latin typeface="Open Sans" panose="020B0606030504020204" pitchFamily="34" charset="0"/>
+                <a:ea typeface="Open Sans" panose="020B0606030504020204" pitchFamily="34" charset="0"/>
+                <a:cs typeface="Open Sans" panose="020B0606030504020204" pitchFamily="34" charset="0"/>
+              </a:rPr>
+              <a:t>Accessibility</a:t>
+            </a:r>
+            <a:r>
+              <a:rPr lang="en-CA" sz="2200" dirty="0">
+                <a:latin typeface="Open Sans" panose="020B0606030504020204" pitchFamily="34" charset="0"/>
+                <a:ea typeface="Open Sans" panose="020B0606030504020204" pitchFamily="34" charset="0"/>
+                <a:cs typeface="Open Sans" panose="020B0606030504020204" pitchFamily="34" charset="0"/>
+              </a:rPr>
+              <a:t> – Individuals using assistive devices</a:t>
+            </a:r>
+          </a:p>
+          <a:p>
+            <a:pPr marL="457200" indent="-457200">
+              <a:buFont typeface="Arial" panose="020B0604020202020204" pitchFamily="34" charset="0"/>
+              <a:buChar char="•"/>
+            </a:pPr>
+            <a:endParaRPr lang="en-CA" sz="2200" dirty="0">
               <a:latin typeface="Open Sans" panose="020B0606030504020204" pitchFamily="34" charset="0"/>
               <a:ea typeface="Open Sans" panose="020B0606030504020204" pitchFamily="34" charset="0"/>
               <a:cs typeface="Open Sans" panose="020B0606030504020204" pitchFamily="34" charset="0"/>
             </a:endParaRPr>
           </a:p>
-        </p:txBody>
-      </p:sp>
-      <p:sp>
-        <p:nvSpPr>
-          <p:cNvPr id="12" name="TextBox 11">
-            <a:extLst>
-              <a:ext uri="{FF2B5EF4-FFF2-40B4-BE49-F238E27FC236}">
-                <a16:creationId xmlns:a16="http://schemas.microsoft.com/office/drawing/2014/main" id="{4C057951-9EE7-B403-D050-766ED5D116D0}"/>
-              </a:ext>
-            </a:extLst>
-          </p:cNvPr>
-          <p:cNvSpPr txBox="1"/>
-          <p:nvPr/>
-        </p:nvSpPr>
-        <p:spPr>
-          <a:xfrm>
-            <a:off x="821574" y="5459182"/>
-            <a:ext cx="10548851" cy="338554"/>
-          </a:xfrm>
-          <a:prstGeom prst="rect">
-            <a:avLst/>
-          </a:prstGeom>
-          <a:noFill/>
-        </p:spPr>
-        <p:txBody>
-          <a:bodyPr wrap="square" rtlCol="0">
-            <a:spAutoFit/>
-          </a:bodyPr>
-          <a:lstStyle/>
-          <a:p>
-            <a:r>
-              <a:rPr lang="en-CA" sz="1600">
-                <a:latin typeface="Open Sans" panose="020B0606030504020204" pitchFamily="34" charset="0"/>
-                <a:ea typeface="Open Sans" panose="020B0606030504020204" pitchFamily="34" charset="0"/>
-                <a:cs typeface="Open Sans" panose="020B0606030504020204" pitchFamily="34" charset="0"/>
-              </a:rPr>
-              <a:t>In all 3 examples above, the page will show </a:t>
-            </a:r>
-            <a:r>
-              <a:rPr lang="en-CA" sz="1600">
-                <a:solidFill>
-                  <a:srgbClr val="FF0000"/>
-                </a:solidFill>
-                <a:latin typeface="Open Sans" panose="020B0606030504020204" pitchFamily="34" charset="0"/>
-                <a:ea typeface="Open Sans" panose="020B0606030504020204" pitchFamily="34" charset="0"/>
-                <a:cs typeface="Open Sans" panose="020B0606030504020204" pitchFamily="34" charset="0"/>
-              </a:rPr>
-              <a:t>hello world</a:t>
-            </a:r>
-            <a:r>
-              <a:rPr lang="en-CA" sz="1600">
-                <a:latin typeface="Open Sans" panose="020B0606030504020204" pitchFamily="34" charset="0"/>
-                <a:ea typeface="Open Sans" panose="020B0606030504020204" pitchFamily="34" charset="0"/>
-                <a:cs typeface="Open Sans" panose="020B0606030504020204" pitchFamily="34" charset="0"/>
-              </a:rPr>
-              <a:t> in </a:t>
-            </a:r>
-            <a:r>
-              <a:rPr lang="en-CA" sz="1600">
-                <a:solidFill>
-                  <a:srgbClr val="FF0000"/>
-                </a:solidFill>
-                <a:latin typeface="Open Sans" panose="020B0606030504020204" pitchFamily="34" charset="0"/>
-                <a:ea typeface="Open Sans" panose="020B0606030504020204" pitchFamily="34" charset="0"/>
-                <a:cs typeface="Open Sans" panose="020B0606030504020204" pitchFamily="34" charset="0"/>
-              </a:rPr>
-              <a:t>red</a:t>
-            </a:r>
-            <a:r>
-              <a:rPr lang="en-CA" sz="1600">
-                <a:latin typeface="Open Sans" panose="020B0606030504020204" pitchFamily="34" charset="0"/>
-                <a:ea typeface="Open Sans" panose="020B0606030504020204" pitchFamily="34" charset="0"/>
-                <a:cs typeface="Open Sans" panose="020B0606030504020204" pitchFamily="34" charset="0"/>
-              </a:rPr>
-              <a:t>.</a:t>
-            </a:r>
+          <a:p>
+            <a:pPr marL="457200" indent="-457200">
+              <a:buFont typeface="Arial" panose="020B0604020202020204" pitchFamily="34" charset="0"/>
+              <a:buChar char="•"/>
+            </a:pPr>
+            <a:r>
+              <a:rPr lang="en-CA" sz="2200" b="1" dirty="0">
+                <a:latin typeface="Open Sans" panose="020B0606030504020204" pitchFamily="34" charset="0"/>
+                <a:ea typeface="Open Sans" panose="020B0606030504020204" pitchFamily="34" charset="0"/>
+                <a:cs typeface="Open Sans" panose="020B0606030504020204" pitchFamily="34" charset="0"/>
+              </a:rPr>
+              <a:t>Standardization</a:t>
+            </a:r>
+            <a:r>
+              <a:rPr lang="en-CA" sz="2200" dirty="0">
+                <a:latin typeface="Open Sans" panose="020B0606030504020204" pitchFamily="34" charset="0"/>
+                <a:ea typeface="Open Sans" panose="020B0606030504020204" pitchFamily="34" charset="0"/>
+                <a:cs typeface="Open Sans" panose="020B0606030504020204" pitchFamily="34" charset="0"/>
+              </a:rPr>
+              <a:t> – For interoperability and system integration</a:t>
+            </a:r>
+            <a:endParaRPr lang="en-CA" sz="2200" b="1" dirty="0">
+              <a:latin typeface="Open Sans" panose="020B0606030504020204" pitchFamily="34" charset="0"/>
+              <a:ea typeface="Open Sans" panose="020B0606030504020204" pitchFamily="34" charset="0"/>
+              <a:cs typeface="Open Sans" panose="020B0606030504020204" pitchFamily="34" charset="0"/>
+            </a:endParaRPr>
           </a:p>
         </p:txBody>
       </p:sp>
     </p:spTree>
     <p:extLst>
       <p:ext uri="{BB962C8B-B14F-4D97-AF65-F5344CB8AC3E}">
-        <p14:creationId xmlns:p14="http://schemas.microsoft.com/office/powerpoint/2010/main" val="2957980767"/>
+        <p14:creationId xmlns:p14="http://schemas.microsoft.com/office/powerpoint/2010/main" val="1988426869"/>
       </p:ext>
     </p:extLst>
   </p:cSld>
@@ -12620,7 +12156,7 @@
           <p:cNvPr id="2" name="Rectangle 1">
             <a:extLst>
               <a:ext uri="{FF2B5EF4-FFF2-40B4-BE49-F238E27FC236}">
-                <a16:creationId xmlns:a16="http://schemas.microsoft.com/office/drawing/2014/main" id="{2004DF0B-2D77-00B0-F9B6-FF55ED79EB05}"/>
+                <a16:creationId xmlns:a16="http://schemas.microsoft.com/office/drawing/2014/main" id="{1DC51187-06DB-137C-4124-D4ACFA940714}"/>
               </a:ext>
             </a:extLst>
           </p:cNvPr>
@@ -12674,7 +12210,7 @@
           <p:cNvPr id="3" name="TextBox 2">
             <a:extLst>
               <a:ext uri="{FF2B5EF4-FFF2-40B4-BE49-F238E27FC236}">
-                <a16:creationId xmlns:a16="http://schemas.microsoft.com/office/drawing/2014/main" id="{E2D54BC7-5011-A015-F342-E701C2F25922}"/>
+                <a16:creationId xmlns:a16="http://schemas.microsoft.com/office/drawing/2014/main" id="{78796374-6F31-603B-C8D3-8C7A71F397F2}"/>
               </a:ext>
             </a:extLst>
           </p:cNvPr>
@@ -12683,8 +12219,8 @@
         </p:nvSpPr>
         <p:spPr>
           <a:xfrm>
-            <a:off x="1747717" y="908489"/>
-            <a:ext cx="8570422" cy="630942"/>
+            <a:off x="3674792" y="912183"/>
+            <a:ext cx="4716272" cy="630942"/>
           </a:xfrm>
           <a:prstGeom prst="rect">
             <a:avLst/>
@@ -12702,53 +12238,17 @@
               <a:rPr lang="en-CA" sz="3500">
                 <a:latin typeface="Proxima Nova Bl" panose="02000506030000020004" pitchFamily="50" charset="0"/>
               </a:rPr>
-              <a:t>ANATOMY OF CSS DECLARATION</a:t>
-            </a:r>
-          </a:p>
-        </p:txBody>
-      </p:sp>
-      <p:pic>
-        <p:nvPicPr>
-          <p:cNvPr id="4" name="Picture 3" descr="A screenshot of a cell phone&#10;&#10;Description automatically generated">
-            <a:extLst>
-              <a:ext uri="{FF2B5EF4-FFF2-40B4-BE49-F238E27FC236}">
-                <a16:creationId xmlns:a16="http://schemas.microsoft.com/office/drawing/2014/main" id="{5E171CFF-04E5-7A5B-70BB-5DF357332D78}"/>
-              </a:ext>
-            </a:extLst>
-          </p:cNvPr>
-          <p:cNvPicPr>
-            <a:picLocks noChangeAspect="1"/>
-          </p:cNvPicPr>
-          <p:nvPr/>
-        </p:nvPicPr>
-        <p:blipFill>
-          <a:blip r:embed="rId2">
-            <a:extLst>
-              <a:ext uri="{28A0092B-C50C-407E-A947-70E740481C1C}">
-                <a14:useLocalDpi xmlns:a14="http://schemas.microsoft.com/office/drawing/2010/main" val="0"/>
-              </a:ext>
-            </a:extLst>
-          </a:blip>
-          <a:stretch>
-            <a:fillRect/>
-          </a:stretch>
-        </p:blipFill>
-        <p:spPr>
-          <a:xfrm>
-            <a:off x="538677" y="2255680"/>
-            <a:ext cx="3711724" cy="2096032"/>
-          </a:xfrm>
-          <a:prstGeom prst="rect">
-            <a:avLst/>
-          </a:prstGeom>
-        </p:spPr>
-      </p:pic>
-      <p:sp>
-        <p:nvSpPr>
-          <p:cNvPr id="5" name="TextBox 4">
-            <a:extLst>
-              <a:ext uri="{FF2B5EF4-FFF2-40B4-BE49-F238E27FC236}">
-                <a16:creationId xmlns:a16="http://schemas.microsoft.com/office/drawing/2014/main" id="{5F62DEB4-15EE-0D18-BCE3-60FB1A05AA59}"/>
+              <a:t>WHAT IS CSS?</a:t>
+            </a:r>
+          </a:p>
+        </p:txBody>
+      </p:sp>
+      <p:sp>
+        <p:nvSpPr>
+          <p:cNvPr id="4" name="TextBox 3">
+            <a:extLst>
+              <a:ext uri="{FF2B5EF4-FFF2-40B4-BE49-F238E27FC236}">
+                <a16:creationId xmlns:a16="http://schemas.microsoft.com/office/drawing/2014/main" id="{4E93DF1A-E222-4711-B1CB-B810F86AA7C5}"/>
               </a:ext>
             </a:extLst>
           </p:cNvPr>
@@ -12757,8 +12257,8 @@
         </p:nvSpPr>
         <p:spPr>
           <a:xfrm>
-            <a:off x="4480562" y="2255680"/>
-            <a:ext cx="7124007" cy="830997"/>
+            <a:off x="822960" y="2002192"/>
+            <a:ext cx="10831484" cy="584775"/>
           </a:xfrm>
           <a:prstGeom prst="rect">
             <a:avLst/>
@@ -12780,7 +12280,7 @@
                 <a:ea typeface="Open Sans" panose="020B0606030504020204" pitchFamily="34" charset="0"/>
                 <a:cs typeface="Open Sans" panose="020B0606030504020204" pitchFamily="34" charset="0"/>
               </a:rPr>
-              <a:t>Selector</a:t>
+              <a:t>Cascading Style Sheets (CSS)</a:t>
             </a:r>
             <a:r>
               <a:rPr lang="en-CA" sz="1600">
@@ -12788,17 +12288,17 @@
                 <a:ea typeface="Open Sans" panose="020B0606030504020204" pitchFamily="34" charset="0"/>
                 <a:cs typeface="Open Sans" panose="020B0606030504020204" pitchFamily="34" charset="0"/>
               </a:rPr>
-              <a:t> – The HTML tags to style.  We will learn shortly that there are many ways to express the specific HTML tag you wish to style.  In this example, we are selecting ALL &lt;p&gt; tags.</a:t>
-            </a:r>
-          </a:p>
-        </p:txBody>
-      </p:sp>
-      <p:sp>
-        <p:nvSpPr>
-          <p:cNvPr id="6" name="TextBox 5">
-            <a:extLst>
-              <a:ext uri="{FF2B5EF4-FFF2-40B4-BE49-F238E27FC236}">
-                <a16:creationId xmlns:a16="http://schemas.microsoft.com/office/drawing/2014/main" id="{A0F0066B-D59A-4D1D-1077-7C3CB2B4CE8A}"/>
+              <a:t> is a language that consist of declarations / rules that describe the visual representation of HTML documents in a web browser.  Here are 3 different ways to incorporate CSS into HTML:</a:t>
+            </a:r>
+          </a:p>
+        </p:txBody>
+      </p:sp>
+      <p:sp>
+        <p:nvSpPr>
+          <p:cNvPr id="5" name="TextBox 4">
+            <a:extLst>
+              <a:ext uri="{FF2B5EF4-FFF2-40B4-BE49-F238E27FC236}">
+                <a16:creationId xmlns:a16="http://schemas.microsoft.com/office/drawing/2014/main" id="{3D467661-2F53-E011-2C76-D35FACACEE16}"/>
               </a:ext>
             </a:extLst>
           </p:cNvPr>
@@ -12807,13 +12307,15 @@
         </p:nvSpPr>
         <p:spPr>
           <a:xfrm>
-            <a:off x="4454414" y="3322573"/>
-            <a:ext cx="7124007" cy="1077218"/>
-          </a:xfrm>
-          <a:prstGeom prst="rect">
-            <a:avLst/>
-          </a:prstGeom>
-          <a:noFill/>
+            <a:off x="8013470" y="3645127"/>
+            <a:ext cx="3092334" cy="1754326"/>
+          </a:xfrm>
+          <a:prstGeom prst="rect">
+            <a:avLst/>
+          </a:prstGeom>
+          <a:solidFill>
+            <a:schemeClr val="bg2"/>
+          </a:solidFill>
         </p:spPr>
         <p:txBody>
           <a:bodyPr wrap="square" rtlCol="0">
@@ -12822,71 +12324,71 @@
           <a:lstStyle/>
           <a:p>
             <a:r>
-              <a:rPr lang="en-CA" sz="1600" b="1">
+              <a:rPr lang="en-US" sz="1200"/>
+              <a:t>&lt;!DOCTYPE html&gt;</a:t>
+            </a:r>
+          </a:p>
+          <a:p>
+            <a:r>
+              <a:rPr lang="en-US" sz="1200"/>
+              <a:t>&lt;html&gt;</a:t>
+            </a:r>
+          </a:p>
+          <a:p>
+            <a:r>
+              <a:rPr lang="en-US" sz="1200"/>
+              <a:t>  &lt;head&gt;</a:t>
+            </a:r>
+          </a:p>
+          <a:p>
+            <a:r>
+              <a:rPr lang="en-US" sz="1200">
                 <a:solidFill>
-                  <a:srgbClr val="7030A0"/>
+                  <a:srgbClr val="00B0F0"/>
                 </a:solidFill>
-                <a:latin typeface="Open Sans" panose="020B0606030504020204" pitchFamily="34" charset="0"/>
-                <a:ea typeface="Open Sans" panose="020B0606030504020204" pitchFamily="34" charset="0"/>
-                <a:cs typeface="Open Sans" panose="020B0606030504020204" pitchFamily="34" charset="0"/>
-              </a:rPr>
-              <a:t>Declaration</a:t>
-            </a:r>
-            <a:r>
-              <a:rPr lang="en-CA" sz="1600">
-                <a:latin typeface="Open Sans" panose="020B0606030504020204" pitchFamily="34" charset="0"/>
-                <a:ea typeface="Open Sans" panose="020B0606030504020204" pitchFamily="34" charset="0"/>
-                <a:cs typeface="Open Sans" panose="020B0606030504020204" pitchFamily="34" charset="0"/>
-              </a:rPr>
-              <a:t> – The style rule to apply.  In this example, we have only one declaration.  However, we can have multiple style declarations separated by the semi-colon.  Each declaration is made up of a </a:t>
-            </a:r>
-            <a:r>
-              <a:rPr lang="en-CA" sz="1600" b="1">
-                <a:solidFill>
-                  <a:srgbClr val="7030A0"/>
-                </a:solidFill>
-                <a:latin typeface="Open Sans" panose="020B0606030504020204" pitchFamily="34" charset="0"/>
-                <a:ea typeface="Open Sans" panose="020B0606030504020204" pitchFamily="34" charset="0"/>
-                <a:cs typeface="Open Sans" panose="020B0606030504020204" pitchFamily="34" charset="0"/>
-              </a:rPr>
-              <a:t>property</a:t>
-            </a:r>
-            <a:r>
-              <a:rPr lang="en-CA" sz="1600">
-                <a:latin typeface="Open Sans" panose="020B0606030504020204" pitchFamily="34" charset="0"/>
-                <a:ea typeface="Open Sans" panose="020B0606030504020204" pitchFamily="34" charset="0"/>
-                <a:cs typeface="Open Sans" panose="020B0606030504020204" pitchFamily="34" charset="0"/>
-              </a:rPr>
-              <a:t> and and a </a:t>
-            </a:r>
-            <a:r>
-              <a:rPr lang="en-CA" sz="1600" b="1">
-                <a:solidFill>
-                  <a:srgbClr val="7030A0"/>
-                </a:solidFill>
-                <a:latin typeface="Open Sans" panose="020B0606030504020204" pitchFamily="34" charset="0"/>
-                <a:ea typeface="Open Sans" panose="020B0606030504020204" pitchFamily="34" charset="0"/>
-                <a:cs typeface="Open Sans" panose="020B0606030504020204" pitchFamily="34" charset="0"/>
-              </a:rPr>
-              <a:t>property value</a:t>
-            </a:r>
-            <a:r>
-              <a:rPr lang="en-CA" sz="1600">
-                <a:latin typeface="Open Sans" panose="020B0606030504020204" pitchFamily="34" charset="0"/>
-                <a:ea typeface="Open Sans" panose="020B0606030504020204" pitchFamily="34" charset="0"/>
-                <a:cs typeface="Open Sans" panose="020B0606030504020204" pitchFamily="34" charset="0"/>
-              </a:rPr>
-              <a:t>.</a:t>
-            </a:r>
-          </a:p>
-        </p:txBody>
-      </p:sp>
-      <p:sp>
-        <p:nvSpPr>
-          <p:cNvPr id="7" name="TextBox 6">
-            <a:extLst>
-              <a:ext uri="{FF2B5EF4-FFF2-40B4-BE49-F238E27FC236}">
-                <a16:creationId xmlns:a16="http://schemas.microsoft.com/office/drawing/2014/main" id="{CA3069F0-40BC-8E71-AB6E-9E782144B876}"/>
+              </a:rPr>
+              <a:t>    &lt;link href="my-style.css" rel="stylesheet" /&gt;</a:t>
+            </a:r>
+          </a:p>
+          <a:p>
+            <a:r>
+              <a:rPr lang="en-US" sz="1200"/>
+              <a:t>  &lt;/head&gt;</a:t>
+            </a:r>
+          </a:p>
+          <a:p>
+            <a:r>
+              <a:rPr lang="en-US" sz="1200"/>
+              <a:t>  &lt;body&gt;</a:t>
+            </a:r>
+          </a:p>
+          <a:p>
+            <a:r>
+              <a:rPr lang="en-US" sz="1200"/>
+              <a:t>    &lt;p&gt;hello world&lt;/p&gt;</a:t>
+            </a:r>
+          </a:p>
+          <a:p>
+            <a:r>
+              <a:rPr lang="en-US" sz="1200"/>
+              <a:t>  &lt;/body&gt;</a:t>
+            </a:r>
+          </a:p>
+          <a:p>
+            <a:r>
+              <a:rPr lang="en-US" sz="1200"/>
+              <a:t>&lt;/html&gt;</a:t>
+            </a:r>
+            <a:endParaRPr lang="en-CA" sz="1200"/>
+          </a:p>
+        </p:txBody>
+      </p:sp>
+      <p:sp>
+        <p:nvSpPr>
+          <p:cNvPr id="6" name="TextBox 5">
+            <a:extLst>
+              <a:ext uri="{FF2B5EF4-FFF2-40B4-BE49-F238E27FC236}">
+                <a16:creationId xmlns:a16="http://schemas.microsoft.com/office/drawing/2014/main" id="{F814A838-E8A0-5D54-E5C4-6ED255BC31A4}"/>
               </a:ext>
             </a:extLst>
           </p:cNvPr>
@@ -12895,13 +12397,15 @@
         </p:nvSpPr>
         <p:spPr>
           <a:xfrm>
-            <a:off x="505425" y="4658616"/>
-            <a:ext cx="11056370" cy="584775"/>
-          </a:xfrm>
-          <a:prstGeom prst="rect">
-            <a:avLst/>
-          </a:prstGeom>
-          <a:noFill/>
+            <a:off x="822960" y="3149763"/>
+            <a:ext cx="2948246" cy="1569660"/>
+          </a:xfrm>
+          <a:prstGeom prst="rect">
+            <a:avLst/>
+          </a:prstGeom>
+          <a:solidFill>
+            <a:schemeClr val="bg2"/>
+          </a:solidFill>
         </p:spPr>
         <p:txBody>
           <a:bodyPr wrap="square" rtlCol="0">
@@ -12910,33 +12414,73 @@
           <a:lstStyle/>
           <a:p>
             <a:r>
-              <a:rPr lang="en-CA" sz="1600" b="1">
+              <a:rPr lang="en-US" sz="1200"/>
+              <a:t>&lt;!DOCTYPE html&gt;</a:t>
+            </a:r>
+          </a:p>
+          <a:p>
+            <a:r>
+              <a:rPr lang="en-US" sz="1200"/>
+              <a:t>&lt;html&gt;</a:t>
+            </a:r>
+          </a:p>
+          <a:p>
+            <a:r>
+              <a:rPr lang="en-US" sz="1200"/>
+              <a:t>  &lt;head&gt;</a:t>
+            </a:r>
+          </a:p>
+          <a:p>
+            <a:r>
+              <a:rPr lang="en-US" sz="1200"/>
+              <a:t>  &lt;/head&gt;</a:t>
+            </a:r>
+          </a:p>
+          <a:p>
+            <a:r>
+              <a:rPr lang="en-US" sz="1200"/>
+              <a:t>  &lt;body&gt;</a:t>
+            </a:r>
+          </a:p>
+          <a:p>
+            <a:r>
+              <a:rPr lang="en-US" sz="1200"/>
+              <a:t>    &lt;p</a:t>
+            </a:r>
+            <a:r>
+              <a:rPr lang="en-US" sz="1200">
                 <a:solidFill>
-                  <a:srgbClr val="7030A0"/>
+                  <a:srgbClr val="00B0F0"/>
                 </a:solidFill>
-                <a:latin typeface="Open Sans" panose="020B0606030504020204" pitchFamily="34" charset="0"/>
-                <a:ea typeface="Open Sans" panose="020B0606030504020204" pitchFamily="34" charset="0"/>
-                <a:cs typeface="Open Sans" panose="020B0606030504020204" pitchFamily="34" charset="0"/>
-              </a:rPr>
-              <a:t>Property</a:t>
-            </a:r>
-            <a:r>
-              <a:rPr lang="en-CA" sz="1600">
-                <a:latin typeface="Open Sans" panose="020B0606030504020204" pitchFamily="34" charset="0"/>
-                <a:ea typeface="Open Sans" panose="020B0606030504020204" pitchFamily="34" charset="0"/>
-                <a:cs typeface="Open Sans" panose="020B0606030504020204" pitchFamily="34" charset="0"/>
-              </a:rPr>
-              <a:t> – The style property to change.  There are many types of properties to choose from, most of which are obvious like font, background, padding, margin, etc…</a:t>
-            </a:r>
-          </a:p>
-        </p:txBody>
-      </p:sp>
-      <p:sp>
-        <p:nvSpPr>
-          <p:cNvPr id="8" name="TextBox 7">
-            <a:extLst>
-              <a:ext uri="{FF2B5EF4-FFF2-40B4-BE49-F238E27FC236}">
-                <a16:creationId xmlns:a16="http://schemas.microsoft.com/office/drawing/2014/main" id="{18C7CC37-20AC-4B50-A7B4-737FCC5E49AB}"/>
+              </a:rPr>
+              <a:t> style="color:red;"</a:t>
+            </a:r>
+            <a:r>
+              <a:rPr lang="en-US" sz="1200"/>
+              <a:t>&gt;hello world&lt;/p&gt;</a:t>
+            </a:r>
+          </a:p>
+          <a:p>
+            <a:r>
+              <a:rPr lang="en-US" sz="1200"/>
+              <a:t>  &lt;/body&gt;</a:t>
+            </a:r>
+          </a:p>
+          <a:p>
+            <a:r>
+              <a:rPr lang="en-US" sz="1200"/>
+              <a:t>&lt;/html&gt;</a:t>
+            </a:r>
+            <a:endParaRPr lang="en-CA" sz="1200"/>
+          </a:p>
+        </p:txBody>
+      </p:sp>
+      <p:sp>
+        <p:nvSpPr>
+          <p:cNvPr id="7" name="TextBox 6">
+            <a:extLst>
+              <a:ext uri="{FF2B5EF4-FFF2-40B4-BE49-F238E27FC236}">
+                <a16:creationId xmlns:a16="http://schemas.microsoft.com/office/drawing/2014/main" id="{448BA9E6-08D8-AE69-340F-EF5D3F0723BD}"/>
               </a:ext>
             </a:extLst>
           </p:cNvPr>
@@ -12945,13 +12489,15 @@
         </p:nvSpPr>
         <p:spPr>
           <a:xfrm>
-            <a:off x="505425" y="5424592"/>
-            <a:ext cx="10675193" cy="584775"/>
-          </a:xfrm>
-          <a:prstGeom prst="rect">
-            <a:avLst/>
-          </a:prstGeom>
-          <a:noFill/>
+            <a:off x="4418215" y="3153159"/>
+            <a:ext cx="2948246" cy="2123658"/>
+          </a:xfrm>
+          <a:prstGeom prst="rect">
+            <a:avLst/>
+          </a:prstGeom>
+          <a:solidFill>
+            <a:schemeClr val="bg2"/>
+          </a:solidFill>
         </p:spPr>
         <p:txBody>
           <a:bodyPr wrap="square" rtlCol="0">
@@ -12960,23 +12506,360 @@
           <a:lstStyle/>
           <a:p>
             <a:r>
+              <a:rPr lang="en-US" sz="1200"/>
+              <a:t>&lt;!DOCTYPE html&gt;</a:t>
+            </a:r>
+          </a:p>
+          <a:p>
+            <a:r>
+              <a:rPr lang="en-US" sz="1200"/>
+              <a:t>&lt;html&gt;</a:t>
+            </a:r>
+          </a:p>
+          <a:p>
+            <a:r>
+              <a:rPr lang="en-US" sz="1200"/>
+              <a:t>  &lt;head&gt;</a:t>
+            </a:r>
+          </a:p>
+          <a:p>
+            <a:r>
+              <a:rPr lang="en-US" sz="1200">
+                <a:solidFill>
+                  <a:srgbClr val="00B0F0"/>
+                </a:solidFill>
+              </a:rPr>
+              <a:t>    &lt;style&gt;</a:t>
+            </a:r>
+          </a:p>
+          <a:p>
+            <a:r>
+              <a:rPr lang="en-US" sz="1200">
+                <a:solidFill>
+                  <a:srgbClr val="00B0F0"/>
+                </a:solidFill>
+              </a:rPr>
+              <a:t>       p {color:red;}</a:t>
+            </a:r>
+          </a:p>
+          <a:p>
+            <a:r>
+              <a:rPr lang="en-US" sz="1200">
+                <a:solidFill>
+                  <a:srgbClr val="00B0F0"/>
+                </a:solidFill>
+              </a:rPr>
+              <a:t>    &lt;/style&gt;</a:t>
+            </a:r>
+          </a:p>
+          <a:p>
+            <a:r>
+              <a:rPr lang="en-US" sz="1200"/>
+              <a:t>  &lt;/head&gt;</a:t>
+            </a:r>
+          </a:p>
+          <a:p>
+            <a:r>
+              <a:rPr lang="en-US" sz="1200"/>
+              <a:t>  &lt;body&gt;</a:t>
+            </a:r>
+          </a:p>
+          <a:p>
+            <a:r>
+              <a:rPr lang="en-US" sz="1200"/>
+              <a:t>    &lt;p&gt;hello world&lt;/p&gt;</a:t>
+            </a:r>
+          </a:p>
+          <a:p>
+            <a:r>
+              <a:rPr lang="en-US" sz="1200"/>
+              <a:t>  &lt;/body&gt;</a:t>
+            </a:r>
+          </a:p>
+          <a:p>
+            <a:r>
+              <a:rPr lang="en-US" sz="1200"/>
+              <a:t>&lt;/html&gt;</a:t>
+            </a:r>
+            <a:endParaRPr lang="en-CA" sz="1200"/>
+          </a:p>
+        </p:txBody>
+      </p:sp>
+      <p:sp>
+        <p:nvSpPr>
+          <p:cNvPr id="8" name="TextBox 7">
+            <a:extLst>
+              <a:ext uri="{FF2B5EF4-FFF2-40B4-BE49-F238E27FC236}">
+                <a16:creationId xmlns:a16="http://schemas.microsoft.com/office/drawing/2014/main" id="{0D149337-374F-703C-E79D-C4B67C85283A}"/>
+              </a:ext>
+            </a:extLst>
+          </p:cNvPr>
+          <p:cNvSpPr txBox="1"/>
+          <p:nvPr/>
+        </p:nvSpPr>
+        <p:spPr>
+          <a:xfrm>
+            <a:off x="8013470" y="3112356"/>
+            <a:ext cx="3092334" cy="461665"/>
+          </a:xfrm>
+          <a:prstGeom prst="rect">
+            <a:avLst/>
+          </a:prstGeom>
+          <a:solidFill>
+            <a:schemeClr val="bg2"/>
+          </a:solidFill>
+        </p:spPr>
+        <p:txBody>
+          <a:bodyPr wrap="square" rtlCol="0">
+            <a:spAutoFit/>
+          </a:bodyPr>
+          <a:lstStyle/>
+          <a:p>
+            <a:r>
+              <a:rPr lang="en-US" sz="1200"/>
+              <a:t>/* my-style.css */</a:t>
+            </a:r>
+          </a:p>
+          <a:p>
+            <a:r>
+              <a:rPr lang="en-US" sz="1200">
+                <a:solidFill>
+                  <a:srgbClr val="00B0F0"/>
+                </a:solidFill>
+              </a:rPr>
+              <a:t>p {color:red;}</a:t>
+            </a:r>
+            <a:endParaRPr lang="en-CA" sz="1200">
+              <a:solidFill>
+                <a:srgbClr val="00B0F0"/>
+              </a:solidFill>
+            </a:endParaRPr>
+          </a:p>
+        </p:txBody>
+      </p:sp>
+      <p:sp>
+        <p:nvSpPr>
+          <p:cNvPr id="9" name="TextBox 8">
+            <a:extLst>
+              <a:ext uri="{FF2B5EF4-FFF2-40B4-BE49-F238E27FC236}">
+                <a16:creationId xmlns:a16="http://schemas.microsoft.com/office/drawing/2014/main" id="{D054AD64-55B8-1ECF-F399-124FBFD6B367}"/>
+              </a:ext>
+            </a:extLst>
+          </p:cNvPr>
+          <p:cNvSpPr txBox="1"/>
+          <p:nvPr/>
+        </p:nvSpPr>
+        <p:spPr>
+          <a:xfrm>
+            <a:off x="822960" y="2748397"/>
+            <a:ext cx="2457796" cy="338554"/>
+          </a:xfrm>
+          <a:prstGeom prst="rect">
+            <a:avLst/>
+          </a:prstGeom>
+          <a:noFill/>
+        </p:spPr>
+        <p:txBody>
+          <a:bodyPr wrap="square" rtlCol="0">
+            <a:spAutoFit/>
+          </a:bodyPr>
+          <a:lstStyle/>
+          <a:p>
+            <a:r>
               <a:rPr lang="en-CA" sz="1600" b="1">
                 <a:solidFill>
-                  <a:srgbClr val="7030A0"/>
+                  <a:srgbClr val="00B050"/>
                 </a:solidFill>
                 <a:latin typeface="Open Sans" panose="020B0606030504020204" pitchFamily="34" charset="0"/>
                 <a:ea typeface="Open Sans" panose="020B0606030504020204" pitchFamily="34" charset="0"/>
                 <a:cs typeface="Open Sans" panose="020B0606030504020204" pitchFamily="34" charset="0"/>
               </a:rPr>
-              <a:t>Property Value</a:t>
-            </a:r>
+              <a:t>Inline</a:t>
+            </a:r>
+            <a:endParaRPr lang="en-CA" sz="1600">
+              <a:solidFill>
+                <a:srgbClr val="00B050"/>
+              </a:solidFill>
+              <a:latin typeface="Open Sans" panose="020B0606030504020204" pitchFamily="34" charset="0"/>
+              <a:ea typeface="Open Sans" panose="020B0606030504020204" pitchFamily="34" charset="0"/>
+              <a:cs typeface="Open Sans" panose="020B0606030504020204" pitchFamily="34" charset="0"/>
+            </a:endParaRPr>
+          </a:p>
+        </p:txBody>
+      </p:sp>
+      <p:sp>
+        <p:nvSpPr>
+          <p:cNvPr id="10" name="TextBox 9">
+            <a:extLst>
+              <a:ext uri="{FF2B5EF4-FFF2-40B4-BE49-F238E27FC236}">
+                <a16:creationId xmlns:a16="http://schemas.microsoft.com/office/drawing/2014/main" id="{1C4B90BA-BF62-69DE-ED6F-53CBCEE9ACAF}"/>
+              </a:ext>
+            </a:extLst>
+          </p:cNvPr>
+          <p:cNvSpPr txBox="1"/>
+          <p:nvPr/>
+        </p:nvSpPr>
+        <p:spPr>
+          <a:xfrm>
+            <a:off x="4418215" y="2748397"/>
+            <a:ext cx="2457796" cy="338554"/>
+          </a:xfrm>
+          <a:prstGeom prst="rect">
+            <a:avLst/>
+          </a:prstGeom>
+          <a:noFill/>
+        </p:spPr>
+        <p:txBody>
+          <a:bodyPr wrap="square" rtlCol="0">
+            <a:spAutoFit/>
+          </a:bodyPr>
+          <a:lstStyle/>
+          <a:p>
+            <a:r>
+              <a:rPr lang="en-CA" sz="1600" b="1">
+                <a:solidFill>
+                  <a:srgbClr val="00B050"/>
+                </a:solidFill>
+                <a:latin typeface="Open Sans" panose="020B0606030504020204" pitchFamily="34" charset="0"/>
+                <a:ea typeface="Open Sans" panose="020B0606030504020204" pitchFamily="34" charset="0"/>
+                <a:cs typeface="Open Sans" panose="020B0606030504020204" pitchFamily="34" charset="0"/>
+              </a:rPr>
+              <a:t>Style Block</a:t>
+            </a:r>
+            <a:endParaRPr lang="en-CA" sz="1600">
+              <a:solidFill>
+                <a:srgbClr val="00B050"/>
+              </a:solidFill>
+              <a:latin typeface="Open Sans" panose="020B0606030504020204" pitchFamily="34" charset="0"/>
+              <a:ea typeface="Open Sans" panose="020B0606030504020204" pitchFamily="34" charset="0"/>
+              <a:cs typeface="Open Sans" panose="020B0606030504020204" pitchFamily="34" charset="0"/>
+            </a:endParaRPr>
+          </a:p>
+        </p:txBody>
+      </p:sp>
+      <p:sp>
+        <p:nvSpPr>
+          <p:cNvPr id="11" name="TextBox 10">
+            <a:extLst>
+              <a:ext uri="{FF2B5EF4-FFF2-40B4-BE49-F238E27FC236}">
+                <a16:creationId xmlns:a16="http://schemas.microsoft.com/office/drawing/2014/main" id="{7BA5D743-03EE-3172-396B-AE18F4878627}"/>
+              </a:ext>
+            </a:extLst>
+          </p:cNvPr>
+          <p:cNvSpPr txBox="1"/>
+          <p:nvPr/>
+        </p:nvSpPr>
+        <p:spPr>
+          <a:xfrm>
+            <a:off x="8013470" y="2702696"/>
+            <a:ext cx="2457796" cy="338554"/>
+          </a:xfrm>
+          <a:prstGeom prst="rect">
+            <a:avLst/>
+          </a:prstGeom>
+          <a:noFill/>
+        </p:spPr>
+        <p:txBody>
+          <a:bodyPr wrap="square" rtlCol="0">
+            <a:spAutoFit/>
+          </a:bodyPr>
+          <a:lstStyle/>
+          <a:p>
+            <a:r>
+              <a:rPr lang="en-CA" sz="1600" b="1">
+                <a:solidFill>
+                  <a:srgbClr val="00B050"/>
+                </a:solidFill>
+                <a:latin typeface="Open Sans" panose="020B0606030504020204" pitchFamily="34" charset="0"/>
+                <a:ea typeface="Open Sans" panose="020B0606030504020204" pitchFamily="34" charset="0"/>
+                <a:cs typeface="Open Sans" panose="020B0606030504020204" pitchFamily="34" charset="0"/>
+              </a:rPr>
+              <a:t>Separate File</a:t>
+            </a:r>
+            <a:endParaRPr lang="en-CA" sz="1600">
+              <a:solidFill>
+                <a:srgbClr val="00B050"/>
+              </a:solidFill>
+              <a:latin typeface="Open Sans" panose="020B0606030504020204" pitchFamily="34" charset="0"/>
+              <a:ea typeface="Open Sans" panose="020B0606030504020204" pitchFamily="34" charset="0"/>
+              <a:cs typeface="Open Sans" panose="020B0606030504020204" pitchFamily="34" charset="0"/>
+            </a:endParaRPr>
+          </a:p>
+        </p:txBody>
+      </p:sp>
+      <p:sp>
+        <p:nvSpPr>
+          <p:cNvPr id="12" name="TextBox 11">
+            <a:extLst>
+              <a:ext uri="{FF2B5EF4-FFF2-40B4-BE49-F238E27FC236}">
+                <a16:creationId xmlns:a16="http://schemas.microsoft.com/office/drawing/2014/main" id="{4C057951-9EE7-B403-D050-766ED5D116D0}"/>
+              </a:ext>
+            </a:extLst>
+          </p:cNvPr>
+          <p:cNvSpPr txBox="1"/>
+          <p:nvPr/>
+        </p:nvSpPr>
+        <p:spPr>
+          <a:xfrm>
+            <a:off x="821574" y="5459182"/>
+            <a:ext cx="10548851" cy="338554"/>
+          </a:xfrm>
+          <a:prstGeom prst="rect">
+            <a:avLst/>
+          </a:prstGeom>
+          <a:noFill/>
+        </p:spPr>
+        <p:txBody>
+          <a:bodyPr wrap="square" rtlCol="0">
+            <a:spAutoFit/>
+          </a:bodyPr>
+          <a:lstStyle/>
+          <a:p>
             <a:r>
               <a:rPr lang="en-CA" sz="1600">
                 <a:latin typeface="Open Sans" panose="020B0606030504020204" pitchFamily="34" charset="0"/>
                 <a:ea typeface="Open Sans" panose="020B0606030504020204" pitchFamily="34" charset="0"/>
                 <a:cs typeface="Open Sans" panose="020B0606030504020204" pitchFamily="34" charset="0"/>
               </a:rPr>
-              <a:t> – The specific style you wish to apply to a property.  The acceptable properties will depend on the property you are trying to change.</a:t>
+              <a:t>In all 3 examples above, the page will show </a:t>
+            </a:r>
+            <a:r>
+              <a:rPr lang="en-CA" sz="1600">
+                <a:solidFill>
+                  <a:srgbClr val="FF0000"/>
+                </a:solidFill>
+                <a:latin typeface="Open Sans" panose="020B0606030504020204" pitchFamily="34" charset="0"/>
+                <a:ea typeface="Open Sans" panose="020B0606030504020204" pitchFamily="34" charset="0"/>
+                <a:cs typeface="Open Sans" panose="020B0606030504020204" pitchFamily="34" charset="0"/>
+              </a:rPr>
+              <a:t>hello world</a:t>
+            </a:r>
+            <a:r>
+              <a:rPr lang="en-CA" sz="1600">
+                <a:latin typeface="Open Sans" panose="020B0606030504020204" pitchFamily="34" charset="0"/>
+                <a:ea typeface="Open Sans" panose="020B0606030504020204" pitchFamily="34" charset="0"/>
+                <a:cs typeface="Open Sans" panose="020B0606030504020204" pitchFamily="34" charset="0"/>
+              </a:rPr>
+              <a:t> in </a:t>
+            </a:r>
+            <a:r>
+              <a:rPr lang="en-CA" sz="1600">
+                <a:solidFill>
+                  <a:srgbClr val="FF0000"/>
+                </a:solidFill>
+                <a:latin typeface="Open Sans" panose="020B0606030504020204" pitchFamily="34" charset="0"/>
+                <a:ea typeface="Open Sans" panose="020B0606030504020204" pitchFamily="34" charset="0"/>
+                <a:cs typeface="Open Sans" panose="020B0606030504020204" pitchFamily="34" charset="0"/>
+              </a:rPr>
+              <a:t>red</a:t>
+            </a:r>
+            <a:r>
+              <a:rPr lang="en-CA" sz="1600">
+                <a:latin typeface="Open Sans" panose="020B0606030504020204" pitchFamily="34" charset="0"/>
+                <a:ea typeface="Open Sans" panose="020B0606030504020204" pitchFamily="34" charset="0"/>
+                <a:cs typeface="Open Sans" panose="020B0606030504020204" pitchFamily="34" charset="0"/>
+              </a:rPr>
+              <a:t>.</a:t>
             </a:r>
           </a:p>
         </p:txBody>
@@ -12984,7 +12867,7 @@
     </p:spTree>
     <p:extLst>
       <p:ext uri="{BB962C8B-B14F-4D97-AF65-F5344CB8AC3E}">
-        <p14:creationId xmlns:p14="http://schemas.microsoft.com/office/powerpoint/2010/main" val="2847289236"/>
+        <p14:creationId xmlns:p14="http://schemas.microsoft.com/office/powerpoint/2010/main" val="2957980767"/>
       </p:ext>
     </p:extLst>
   </p:cSld>
@@ -13361,6 +13244,646 @@
       </p:grpSpPr>
       <p:sp>
         <p:nvSpPr>
+          <p:cNvPr id="2" name="Rectangle 1">
+            <a:extLst>
+              <a:ext uri="{FF2B5EF4-FFF2-40B4-BE49-F238E27FC236}">
+                <a16:creationId xmlns:a16="http://schemas.microsoft.com/office/drawing/2014/main" id="{9A46497E-08E3-42E3-B95C-DE59A20F68FB}"/>
+              </a:ext>
+            </a:extLst>
+          </p:cNvPr>
+          <p:cNvSpPr/>
+          <p:nvPr/>
+        </p:nvSpPr>
+        <p:spPr>
+          <a:xfrm>
+            <a:off x="5633456" y="1730825"/>
+            <a:ext cx="798945" cy="45719"/>
+          </a:xfrm>
+          <a:prstGeom prst="rect">
+            <a:avLst/>
+          </a:prstGeom>
+          <a:solidFill>
+            <a:srgbClr val="FF0000"/>
+          </a:solidFill>
+          <a:ln>
+            <a:solidFill>
+              <a:srgbClr val="FF0000"/>
+            </a:solidFill>
+          </a:ln>
+        </p:spPr>
+        <p:style>
+          <a:lnRef idx="2">
+            <a:schemeClr val="accent1">
+              <a:shade val="50000"/>
+            </a:schemeClr>
+          </a:lnRef>
+          <a:fillRef idx="1">
+            <a:schemeClr val="accent1"/>
+          </a:fillRef>
+          <a:effectRef idx="0">
+            <a:schemeClr val="accent1"/>
+          </a:effectRef>
+          <a:fontRef idx="minor">
+            <a:schemeClr val="lt1"/>
+          </a:fontRef>
+        </p:style>
+        <p:txBody>
+          <a:bodyPr rtlCol="0" anchor="ctr"/>
+          <a:lstStyle/>
+          <a:p>
+            <a:pPr algn="ctr"/>
+            <a:endParaRPr lang="en-CA"/>
+          </a:p>
+        </p:txBody>
+      </p:sp>
+      <p:sp>
+        <p:nvSpPr>
+          <p:cNvPr id="3" name="TextBox 2">
+            <a:extLst>
+              <a:ext uri="{FF2B5EF4-FFF2-40B4-BE49-F238E27FC236}">
+                <a16:creationId xmlns:a16="http://schemas.microsoft.com/office/drawing/2014/main" id="{D6AA3631-133A-4901-BC13-5DF81E89F1CF}"/>
+              </a:ext>
+            </a:extLst>
+          </p:cNvPr>
+          <p:cNvSpPr txBox="1"/>
+          <p:nvPr/>
+        </p:nvSpPr>
+        <p:spPr>
+          <a:xfrm>
+            <a:off x="1750167" y="913721"/>
+            <a:ext cx="8543464" cy="630942"/>
+          </a:xfrm>
+          <a:prstGeom prst="rect">
+            <a:avLst/>
+          </a:prstGeom>
+          <a:noFill/>
+        </p:spPr>
+        <p:txBody>
+          <a:bodyPr wrap="square" rtlCol="0">
+            <a:spAutoFit/>
+          </a:bodyPr>
+          <a:lstStyle/>
+          <a:p>
+            <a:pPr algn="ctr"/>
+            <a:r>
+              <a:rPr lang="en-CA" sz="3500" dirty="0">
+                <a:latin typeface="Proxima Nova Bl" panose="02000506030000020004" pitchFamily="50" charset="0"/>
+              </a:rPr>
+              <a:t>CSS – SEPARATE CONCERNS</a:t>
+            </a:r>
+          </a:p>
+        </p:txBody>
+      </p:sp>
+      <p:sp>
+        <p:nvSpPr>
+          <p:cNvPr id="4" name="TextBox 3">
+            <a:extLst>
+              <a:ext uri="{FF2B5EF4-FFF2-40B4-BE49-F238E27FC236}">
+                <a16:creationId xmlns:a16="http://schemas.microsoft.com/office/drawing/2014/main" id="{ECFA45BD-A506-3451-AACA-00CE57E5E29D}"/>
+              </a:ext>
+            </a:extLst>
+          </p:cNvPr>
+          <p:cNvSpPr txBox="1"/>
+          <p:nvPr/>
+        </p:nvSpPr>
+        <p:spPr>
+          <a:xfrm>
+            <a:off x="1284176" y="2721486"/>
+            <a:ext cx="9354516" cy="1785104"/>
+          </a:xfrm>
+          <a:prstGeom prst="rect">
+            <a:avLst/>
+          </a:prstGeom>
+          <a:noFill/>
+        </p:spPr>
+        <p:txBody>
+          <a:bodyPr wrap="square" rtlCol="0">
+            <a:spAutoFit/>
+          </a:bodyPr>
+          <a:lstStyle/>
+          <a:p>
+            <a:pPr marL="457200" indent="-457200">
+              <a:buFont typeface="Arial" panose="020B0604020202020204" pitchFamily="34" charset="0"/>
+              <a:buChar char="•"/>
+            </a:pPr>
+            <a:r>
+              <a:rPr lang="en-CA" sz="2200" b="1" dirty="0">
+                <a:latin typeface="Open Sans" panose="020B0606030504020204" pitchFamily="34" charset="0"/>
+                <a:ea typeface="Open Sans" panose="020B0606030504020204" pitchFamily="34" charset="0"/>
+                <a:cs typeface="Open Sans" panose="020B0606030504020204" pitchFamily="34" charset="0"/>
+              </a:rPr>
+              <a:t>Maintainability</a:t>
+            </a:r>
+            <a:r>
+              <a:rPr lang="en-CA" sz="2200" dirty="0">
+                <a:latin typeface="Open Sans" panose="020B0606030504020204" pitchFamily="34" charset="0"/>
+                <a:ea typeface="Open Sans" panose="020B0606030504020204" pitchFamily="34" charset="0"/>
+                <a:cs typeface="Open Sans" panose="020B0606030504020204" pitchFamily="34" charset="0"/>
+              </a:rPr>
+              <a:t> – Easier to update themes separate from HTML</a:t>
+            </a:r>
+          </a:p>
+          <a:p>
+            <a:pPr marL="457200" indent="-457200">
+              <a:buFont typeface="Arial" panose="020B0604020202020204" pitchFamily="34" charset="0"/>
+              <a:buChar char="•"/>
+            </a:pPr>
+            <a:endParaRPr lang="en-CA" sz="2200" b="1" dirty="0">
+              <a:latin typeface="Open Sans" panose="020B0606030504020204" pitchFamily="34" charset="0"/>
+              <a:ea typeface="Open Sans" panose="020B0606030504020204" pitchFamily="34" charset="0"/>
+              <a:cs typeface="Open Sans" panose="020B0606030504020204" pitchFamily="34" charset="0"/>
+            </a:endParaRPr>
+          </a:p>
+          <a:p>
+            <a:pPr marL="457200" indent="-457200">
+              <a:buFont typeface="Arial" panose="020B0604020202020204" pitchFamily="34" charset="0"/>
+              <a:buChar char="•"/>
+            </a:pPr>
+            <a:r>
+              <a:rPr lang="en-CA" sz="2200" b="1" dirty="0">
+                <a:latin typeface="Open Sans" panose="020B0606030504020204" pitchFamily="34" charset="0"/>
+                <a:ea typeface="Open Sans" panose="020B0606030504020204" pitchFamily="34" charset="0"/>
+                <a:cs typeface="Open Sans" panose="020B0606030504020204" pitchFamily="34" charset="0"/>
+              </a:rPr>
+              <a:t>Accessibility</a:t>
+            </a:r>
+            <a:r>
+              <a:rPr lang="en-CA" sz="2200" dirty="0">
+                <a:latin typeface="Open Sans" panose="020B0606030504020204" pitchFamily="34" charset="0"/>
+                <a:ea typeface="Open Sans" panose="020B0606030504020204" pitchFamily="34" charset="0"/>
+                <a:cs typeface="Open Sans" panose="020B0606030504020204" pitchFamily="34" charset="0"/>
+              </a:rPr>
+              <a:t> – Individuals using assistive devices</a:t>
+            </a:r>
+          </a:p>
+          <a:p>
+            <a:pPr marL="457200" indent="-457200">
+              <a:buFont typeface="Arial" panose="020B0604020202020204" pitchFamily="34" charset="0"/>
+              <a:buChar char="•"/>
+            </a:pPr>
+            <a:endParaRPr lang="en-CA" sz="2200" dirty="0">
+              <a:latin typeface="Open Sans" panose="020B0606030504020204" pitchFamily="34" charset="0"/>
+              <a:ea typeface="Open Sans" panose="020B0606030504020204" pitchFamily="34" charset="0"/>
+              <a:cs typeface="Open Sans" panose="020B0606030504020204" pitchFamily="34" charset="0"/>
+            </a:endParaRPr>
+          </a:p>
+          <a:p>
+            <a:pPr marL="457200" indent="-457200">
+              <a:buFont typeface="Arial" panose="020B0604020202020204" pitchFamily="34" charset="0"/>
+              <a:buChar char="•"/>
+            </a:pPr>
+            <a:r>
+              <a:rPr lang="en-CA" sz="2200" b="1" dirty="0">
+                <a:latin typeface="Open Sans" panose="020B0606030504020204" pitchFamily="34" charset="0"/>
+                <a:ea typeface="Open Sans" panose="020B0606030504020204" pitchFamily="34" charset="0"/>
+                <a:cs typeface="Open Sans" panose="020B0606030504020204" pitchFamily="34" charset="0"/>
+              </a:rPr>
+              <a:t>Performance/Speed</a:t>
+            </a:r>
+            <a:r>
+              <a:rPr lang="en-CA" sz="2200" dirty="0">
+                <a:latin typeface="Open Sans" panose="020B0606030504020204" pitchFamily="34" charset="0"/>
+                <a:ea typeface="Open Sans" panose="020B0606030504020204" pitchFamily="34" charset="0"/>
+                <a:cs typeface="Open Sans" panose="020B0606030504020204" pitchFamily="34" charset="0"/>
+              </a:rPr>
+              <a:t> – Decrease page load time</a:t>
+            </a:r>
+            <a:endParaRPr lang="en-CA" sz="2200" b="1" dirty="0">
+              <a:latin typeface="Open Sans" panose="020B0606030504020204" pitchFamily="34" charset="0"/>
+              <a:ea typeface="Open Sans" panose="020B0606030504020204" pitchFamily="34" charset="0"/>
+              <a:cs typeface="Open Sans" panose="020B0606030504020204" pitchFamily="34" charset="0"/>
+            </a:endParaRPr>
+          </a:p>
+        </p:txBody>
+      </p:sp>
+    </p:spTree>
+    <p:extLst>
+      <p:ext uri="{BB962C8B-B14F-4D97-AF65-F5344CB8AC3E}">
+        <p14:creationId xmlns:p14="http://schemas.microsoft.com/office/powerpoint/2010/main" val="2405481885"/>
+      </p:ext>
+    </p:extLst>
+  </p:cSld>
+  <p:clrMapOvr>
+    <a:masterClrMapping/>
+  </p:clrMapOvr>
+</p:sld>
+</file>
+
+<file path=ppt/slides/slide21.xml><?xml version="1.0" encoding="utf-8"?>
+<p:sld xmlns:a="http://schemas.openxmlformats.org/drawingml/2006/main" xmlns:r="http://schemas.openxmlformats.org/officeDocument/2006/relationships" xmlns:p="http://schemas.openxmlformats.org/presentationml/2006/main">
+  <p:cSld>
+    <p:spTree>
+      <p:nvGrpSpPr>
+        <p:cNvPr id="1" name=""/>
+        <p:cNvGrpSpPr/>
+        <p:nvPr/>
+      </p:nvGrpSpPr>
+      <p:grpSpPr>
+        <a:xfrm>
+          <a:off x="0" y="0"/>
+          <a:ext cx="0" cy="0"/>
+          <a:chOff x="0" y="0"/>
+          <a:chExt cx="0" cy="0"/>
+        </a:xfrm>
+      </p:grpSpPr>
+      <p:sp>
+        <p:nvSpPr>
+          <p:cNvPr id="2" name="Rectangle 1">
+            <a:extLst>
+              <a:ext uri="{FF2B5EF4-FFF2-40B4-BE49-F238E27FC236}">
+                <a16:creationId xmlns:a16="http://schemas.microsoft.com/office/drawing/2014/main" id="{2004DF0B-2D77-00B0-F9B6-FF55ED79EB05}"/>
+              </a:ext>
+            </a:extLst>
+          </p:cNvPr>
+          <p:cNvSpPr/>
+          <p:nvPr/>
+        </p:nvSpPr>
+        <p:spPr>
+          <a:xfrm>
+            <a:off x="5633456" y="1730825"/>
+            <a:ext cx="798945" cy="45719"/>
+          </a:xfrm>
+          <a:prstGeom prst="rect">
+            <a:avLst/>
+          </a:prstGeom>
+          <a:solidFill>
+            <a:srgbClr val="FF0000"/>
+          </a:solidFill>
+          <a:ln>
+            <a:solidFill>
+              <a:srgbClr val="FF0000"/>
+            </a:solidFill>
+          </a:ln>
+        </p:spPr>
+        <p:style>
+          <a:lnRef idx="2">
+            <a:schemeClr val="accent1">
+              <a:shade val="50000"/>
+            </a:schemeClr>
+          </a:lnRef>
+          <a:fillRef idx="1">
+            <a:schemeClr val="accent1"/>
+          </a:fillRef>
+          <a:effectRef idx="0">
+            <a:schemeClr val="accent1"/>
+          </a:effectRef>
+          <a:fontRef idx="minor">
+            <a:schemeClr val="lt1"/>
+          </a:fontRef>
+        </p:style>
+        <p:txBody>
+          <a:bodyPr rtlCol="0" anchor="ctr"/>
+          <a:lstStyle/>
+          <a:p>
+            <a:pPr algn="ctr"/>
+            <a:endParaRPr lang="en-CA"/>
+          </a:p>
+        </p:txBody>
+      </p:sp>
+      <p:sp>
+        <p:nvSpPr>
+          <p:cNvPr id="3" name="TextBox 2">
+            <a:extLst>
+              <a:ext uri="{FF2B5EF4-FFF2-40B4-BE49-F238E27FC236}">
+                <a16:creationId xmlns:a16="http://schemas.microsoft.com/office/drawing/2014/main" id="{E2D54BC7-5011-A015-F342-E701C2F25922}"/>
+              </a:ext>
+            </a:extLst>
+          </p:cNvPr>
+          <p:cNvSpPr txBox="1"/>
+          <p:nvPr/>
+        </p:nvSpPr>
+        <p:spPr>
+          <a:xfrm>
+            <a:off x="1747717" y="908489"/>
+            <a:ext cx="8570422" cy="630942"/>
+          </a:xfrm>
+          <a:prstGeom prst="rect">
+            <a:avLst/>
+          </a:prstGeom>
+          <a:noFill/>
+        </p:spPr>
+        <p:txBody>
+          <a:bodyPr wrap="square" rtlCol="0">
+            <a:spAutoFit/>
+          </a:bodyPr>
+          <a:lstStyle/>
+          <a:p>
+            <a:pPr algn="ctr"/>
+            <a:r>
+              <a:rPr lang="en-CA" sz="3500">
+                <a:latin typeface="Proxima Nova Bl" panose="02000506030000020004" pitchFamily="50" charset="0"/>
+              </a:rPr>
+              <a:t>ANATOMY OF CSS DECLARATION</a:t>
+            </a:r>
+          </a:p>
+        </p:txBody>
+      </p:sp>
+      <p:pic>
+        <p:nvPicPr>
+          <p:cNvPr id="4" name="Picture 3" descr="A screenshot of a cell phone&#10;&#10;Description automatically generated">
+            <a:extLst>
+              <a:ext uri="{FF2B5EF4-FFF2-40B4-BE49-F238E27FC236}">
+                <a16:creationId xmlns:a16="http://schemas.microsoft.com/office/drawing/2014/main" id="{5E171CFF-04E5-7A5B-70BB-5DF357332D78}"/>
+              </a:ext>
+            </a:extLst>
+          </p:cNvPr>
+          <p:cNvPicPr>
+            <a:picLocks noChangeAspect="1"/>
+          </p:cNvPicPr>
+          <p:nvPr/>
+        </p:nvPicPr>
+        <p:blipFill>
+          <a:blip r:embed="rId2">
+            <a:extLst>
+              <a:ext uri="{28A0092B-C50C-407E-A947-70E740481C1C}">
+                <a14:useLocalDpi xmlns:a14="http://schemas.microsoft.com/office/drawing/2010/main" val="0"/>
+              </a:ext>
+            </a:extLst>
+          </a:blip>
+          <a:stretch>
+            <a:fillRect/>
+          </a:stretch>
+        </p:blipFill>
+        <p:spPr>
+          <a:xfrm>
+            <a:off x="538677" y="2255680"/>
+            <a:ext cx="3711724" cy="2096032"/>
+          </a:xfrm>
+          <a:prstGeom prst="rect">
+            <a:avLst/>
+          </a:prstGeom>
+        </p:spPr>
+      </p:pic>
+      <p:sp>
+        <p:nvSpPr>
+          <p:cNvPr id="5" name="TextBox 4">
+            <a:extLst>
+              <a:ext uri="{FF2B5EF4-FFF2-40B4-BE49-F238E27FC236}">
+                <a16:creationId xmlns:a16="http://schemas.microsoft.com/office/drawing/2014/main" id="{5F62DEB4-15EE-0D18-BCE3-60FB1A05AA59}"/>
+              </a:ext>
+            </a:extLst>
+          </p:cNvPr>
+          <p:cNvSpPr txBox="1"/>
+          <p:nvPr/>
+        </p:nvSpPr>
+        <p:spPr>
+          <a:xfrm>
+            <a:off x="4480562" y="2255680"/>
+            <a:ext cx="7124007" cy="830997"/>
+          </a:xfrm>
+          <a:prstGeom prst="rect">
+            <a:avLst/>
+          </a:prstGeom>
+          <a:noFill/>
+        </p:spPr>
+        <p:txBody>
+          <a:bodyPr wrap="square" rtlCol="0">
+            <a:spAutoFit/>
+          </a:bodyPr>
+          <a:lstStyle/>
+          <a:p>
+            <a:r>
+              <a:rPr lang="en-CA" sz="1600" b="1">
+                <a:solidFill>
+                  <a:srgbClr val="7030A0"/>
+                </a:solidFill>
+                <a:latin typeface="Open Sans" panose="020B0606030504020204" pitchFamily="34" charset="0"/>
+                <a:ea typeface="Open Sans" panose="020B0606030504020204" pitchFamily="34" charset="0"/>
+                <a:cs typeface="Open Sans" panose="020B0606030504020204" pitchFamily="34" charset="0"/>
+              </a:rPr>
+              <a:t>Selector</a:t>
+            </a:r>
+            <a:r>
+              <a:rPr lang="en-CA" sz="1600">
+                <a:latin typeface="Open Sans" panose="020B0606030504020204" pitchFamily="34" charset="0"/>
+                <a:ea typeface="Open Sans" panose="020B0606030504020204" pitchFamily="34" charset="0"/>
+                <a:cs typeface="Open Sans" panose="020B0606030504020204" pitchFamily="34" charset="0"/>
+              </a:rPr>
+              <a:t> – The HTML tags to style.  We will learn shortly that there are many ways to express the specific HTML tag you wish to style.  In this example, we are selecting ALL &lt;p&gt; tags.</a:t>
+            </a:r>
+          </a:p>
+        </p:txBody>
+      </p:sp>
+      <p:sp>
+        <p:nvSpPr>
+          <p:cNvPr id="6" name="TextBox 5">
+            <a:extLst>
+              <a:ext uri="{FF2B5EF4-FFF2-40B4-BE49-F238E27FC236}">
+                <a16:creationId xmlns:a16="http://schemas.microsoft.com/office/drawing/2014/main" id="{A0F0066B-D59A-4D1D-1077-7C3CB2B4CE8A}"/>
+              </a:ext>
+            </a:extLst>
+          </p:cNvPr>
+          <p:cNvSpPr txBox="1"/>
+          <p:nvPr/>
+        </p:nvSpPr>
+        <p:spPr>
+          <a:xfrm>
+            <a:off x="4454414" y="3322573"/>
+            <a:ext cx="7124007" cy="1077218"/>
+          </a:xfrm>
+          <a:prstGeom prst="rect">
+            <a:avLst/>
+          </a:prstGeom>
+          <a:noFill/>
+        </p:spPr>
+        <p:txBody>
+          <a:bodyPr wrap="square" rtlCol="0">
+            <a:spAutoFit/>
+          </a:bodyPr>
+          <a:lstStyle/>
+          <a:p>
+            <a:r>
+              <a:rPr lang="en-CA" sz="1600" b="1">
+                <a:solidFill>
+                  <a:srgbClr val="7030A0"/>
+                </a:solidFill>
+                <a:latin typeface="Open Sans" panose="020B0606030504020204" pitchFamily="34" charset="0"/>
+                <a:ea typeface="Open Sans" panose="020B0606030504020204" pitchFamily="34" charset="0"/>
+                <a:cs typeface="Open Sans" panose="020B0606030504020204" pitchFamily="34" charset="0"/>
+              </a:rPr>
+              <a:t>Declaration</a:t>
+            </a:r>
+            <a:r>
+              <a:rPr lang="en-CA" sz="1600">
+                <a:latin typeface="Open Sans" panose="020B0606030504020204" pitchFamily="34" charset="0"/>
+                <a:ea typeface="Open Sans" panose="020B0606030504020204" pitchFamily="34" charset="0"/>
+                <a:cs typeface="Open Sans" panose="020B0606030504020204" pitchFamily="34" charset="0"/>
+              </a:rPr>
+              <a:t> – The style rule to apply.  In this example, we have only one declaration.  However, we can have multiple style declarations separated by the semi-colon.  Each declaration is made up of a </a:t>
+            </a:r>
+            <a:r>
+              <a:rPr lang="en-CA" sz="1600" b="1">
+                <a:solidFill>
+                  <a:srgbClr val="7030A0"/>
+                </a:solidFill>
+                <a:latin typeface="Open Sans" panose="020B0606030504020204" pitchFamily="34" charset="0"/>
+                <a:ea typeface="Open Sans" panose="020B0606030504020204" pitchFamily="34" charset="0"/>
+                <a:cs typeface="Open Sans" panose="020B0606030504020204" pitchFamily="34" charset="0"/>
+              </a:rPr>
+              <a:t>property</a:t>
+            </a:r>
+            <a:r>
+              <a:rPr lang="en-CA" sz="1600">
+                <a:latin typeface="Open Sans" panose="020B0606030504020204" pitchFamily="34" charset="0"/>
+                <a:ea typeface="Open Sans" panose="020B0606030504020204" pitchFamily="34" charset="0"/>
+                <a:cs typeface="Open Sans" panose="020B0606030504020204" pitchFamily="34" charset="0"/>
+              </a:rPr>
+              <a:t> and and a </a:t>
+            </a:r>
+            <a:r>
+              <a:rPr lang="en-CA" sz="1600" b="1">
+                <a:solidFill>
+                  <a:srgbClr val="7030A0"/>
+                </a:solidFill>
+                <a:latin typeface="Open Sans" panose="020B0606030504020204" pitchFamily="34" charset="0"/>
+                <a:ea typeface="Open Sans" panose="020B0606030504020204" pitchFamily="34" charset="0"/>
+                <a:cs typeface="Open Sans" panose="020B0606030504020204" pitchFamily="34" charset="0"/>
+              </a:rPr>
+              <a:t>property value</a:t>
+            </a:r>
+            <a:r>
+              <a:rPr lang="en-CA" sz="1600">
+                <a:latin typeface="Open Sans" panose="020B0606030504020204" pitchFamily="34" charset="0"/>
+                <a:ea typeface="Open Sans" panose="020B0606030504020204" pitchFamily="34" charset="0"/>
+                <a:cs typeface="Open Sans" panose="020B0606030504020204" pitchFamily="34" charset="0"/>
+              </a:rPr>
+              <a:t>.</a:t>
+            </a:r>
+          </a:p>
+        </p:txBody>
+      </p:sp>
+      <p:sp>
+        <p:nvSpPr>
+          <p:cNvPr id="7" name="TextBox 6">
+            <a:extLst>
+              <a:ext uri="{FF2B5EF4-FFF2-40B4-BE49-F238E27FC236}">
+                <a16:creationId xmlns:a16="http://schemas.microsoft.com/office/drawing/2014/main" id="{CA3069F0-40BC-8E71-AB6E-9E782144B876}"/>
+              </a:ext>
+            </a:extLst>
+          </p:cNvPr>
+          <p:cNvSpPr txBox="1"/>
+          <p:nvPr/>
+        </p:nvSpPr>
+        <p:spPr>
+          <a:xfrm>
+            <a:off x="505425" y="4658616"/>
+            <a:ext cx="11056370" cy="584775"/>
+          </a:xfrm>
+          <a:prstGeom prst="rect">
+            <a:avLst/>
+          </a:prstGeom>
+          <a:noFill/>
+        </p:spPr>
+        <p:txBody>
+          <a:bodyPr wrap="square" rtlCol="0">
+            <a:spAutoFit/>
+          </a:bodyPr>
+          <a:lstStyle/>
+          <a:p>
+            <a:r>
+              <a:rPr lang="en-CA" sz="1600" b="1">
+                <a:solidFill>
+                  <a:srgbClr val="7030A0"/>
+                </a:solidFill>
+                <a:latin typeface="Open Sans" panose="020B0606030504020204" pitchFamily="34" charset="0"/>
+                <a:ea typeface="Open Sans" panose="020B0606030504020204" pitchFamily="34" charset="0"/>
+                <a:cs typeface="Open Sans" panose="020B0606030504020204" pitchFamily="34" charset="0"/>
+              </a:rPr>
+              <a:t>Property</a:t>
+            </a:r>
+            <a:r>
+              <a:rPr lang="en-CA" sz="1600">
+                <a:latin typeface="Open Sans" panose="020B0606030504020204" pitchFamily="34" charset="0"/>
+                <a:ea typeface="Open Sans" panose="020B0606030504020204" pitchFamily="34" charset="0"/>
+                <a:cs typeface="Open Sans" panose="020B0606030504020204" pitchFamily="34" charset="0"/>
+              </a:rPr>
+              <a:t> – The style property to change.  There are many types of properties to choose from, most of which are obvious like font, background, padding, margin, etc…</a:t>
+            </a:r>
+          </a:p>
+        </p:txBody>
+      </p:sp>
+      <p:sp>
+        <p:nvSpPr>
+          <p:cNvPr id="8" name="TextBox 7">
+            <a:extLst>
+              <a:ext uri="{FF2B5EF4-FFF2-40B4-BE49-F238E27FC236}">
+                <a16:creationId xmlns:a16="http://schemas.microsoft.com/office/drawing/2014/main" id="{18C7CC37-20AC-4B50-A7B4-737FCC5E49AB}"/>
+              </a:ext>
+            </a:extLst>
+          </p:cNvPr>
+          <p:cNvSpPr txBox="1"/>
+          <p:nvPr/>
+        </p:nvSpPr>
+        <p:spPr>
+          <a:xfrm>
+            <a:off x="505425" y="5424592"/>
+            <a:ext cx="10675193" cy="584775"/>
+          </a:xfrm>
+          <a:prstGeom prst="rect">
+            <a:avLst/>
+          </a:prstGeom>
+          <a:noFill/>
+        </p:spPr>
+        <p:txBody>
+          <a:bodyPr wrap="square" rtlCol="0">
+            <a:spAutoFit/>
+          </a:bodyPr>
+          <a:lstStyle/>
+          <a:p>
+            <a:r>
+              <a:rPr lang="en-CA" sz="1600" b="1">
+                <a:solidFill>
+                  <a:srgbClr val="7030A0"/>
+                </a:solidFill>
+                <a:latin typeface="Open Sans" panose="020B0606030504020204" pitchFamily="34" charset="0"/>
+                <a:ea typeface="Open Sans" panose="020B0606030504020204" pitchFamily="34" charset="0"/>
+                <a:cs typeface="Open Sans" panose="020B0606030504020204" pitchFamily="34" charset="0"/>
+              </a:rPr>
+              <a:t>Property Value</a:t>
+            </a:r>
+            <a:r>
+              <a:rPr lang="en-CA" sz="1600">
+                <a:latin typeface="Open Sans" panose="020B0606030504020204" pitchFamily="34" charset="0"/>
+                <a:ea typeface="Open Sans" panose="020B0606030504020204" pitchFamily="34" charset="0"/>
+                <a:cs typeface="Open Sans" panose="020B0606030504020204" pitchFamily="34" charset="0"/>
+              </a:rPr>
+              <a:t> – The specific style you wish to apply to a property.  The acceptable properties will depend on the property you are trying to change.</a:t>
+            </a:r>
+          </a:p>
+        </p:txBody>
+      </p:sp>
+    </p:spTree>
+    <p:extLst>
+      <p:ext uri="{BB962C8B-B14F-4D97-AF65-F5344CB8AC3E}">
+        <p14:creationId xmlns:p14="http://schemas.microsoft.com/office/powerpoint/2010/main" val="2847289236"/>
+      </p:ext>
+    </p:extLst>
+  </p:cSld>
+  <p:clrMapOvr>
+    <a:masterClrMapping/>
+  </p:clrMapOvr>
+</p:sld>
+</file>
+
+<file path=ppt/slides/slide22.xml><?xml version="1.0" encoding="utf-8"?>
+<p:sld xmlns:a="http://schemas.openxmlformats.org/drawingml/2006/main" xmlns:r="http://schemas.openxmlformats.org/officeDocument/2006/relationships" xmlns:p="http://schemas.openxmlformats.org/presentationml/2006/main">
+  <p:cSld>
+    <p:spTree>
+      <p:nvGrpSpPr>
+        <p:cNvPr id="1" name=""/>
+        <p:cNvGrpSpPr/>
+        <p:nvPr/>
+      </p:nvGrpSpPr>
+      <p:grpSpPr>
+        <a:xfrm>
+          <a:off x="0" y="0"/>
+          <a:ext cx="0" cy="0"/>
+          <a:chOff x="0" y="0"/>
+          <a:chExt cx="0" cy="0"/>
+        </a:xfrm>
+      </p:grpSpPr>
+      <p:sp>
+        <p:nvSpPr>
           <p:cNvPr id="4" name="Rectangle 3">
             <a:extLst>
               <a:ext uri="{FF2B5EF4-FFF2-40B4-BE49-F238E27FC236}">
@@ -14299,7 +14822,7 @@
 </p:sld>
 </file>
 
-<file path=ppt/slides/slide21.xml><?xml version="1.0" encoding="utf-8"?>
+<file path=ppt/slides/slide23.xml><?xml version="1.0" encoding="utf-8"?>
 <p:sld xmlns:a="http://schemas.openxmlformats.org/drawingml/2006/main" xmlns:r="http://schemas.openxmlformats.org/officeDocument/2006/relationships" xmlns:p="http://schemas.openxmlformats.org/presentationml/2006/main">
   <p:cSld>
     <p:spTree>

--- a/crash-course/20230617-intro/intro-to-website.pptx
+++ b/crash-course/20230617-intro/intro-to-website.pptx
@@ -5,7 +5,7 @@
     <p:sldMasterId id="2147483648" r:id="rId1"/>
   </p:sldMasterIdLst>
   <p:notesMasterIdLst>
-    <p:notesMasterId r:id="rId25"/>
+    <p:notesMasterId r:id="rId24"/>
   </p:notesMasterIdLst>
   <p:sldIdLst>
     <p:sldId id="256" r:id="rId2"/>
@@ -27,10 +27,9 @@
     <p:sldId id="286" r:id="rId18"/>
     <p:sldId id="291" r:id="rId19"/>
     <p:sldId id="288" r:id="rId20"/>
-    <p:sldId id="292" r:id="rId21"/>
-    <p:sldId id="289" r:id="rId22"/>
+    <p:sldId id="289" r:id="rId21"/>
+    <p:sldId id="292" r:id="rId22"/>
     <p:sldId id="261" r:id="rId23"/>
-    <p:sldId id="270" r:id="rId24"/>
   </p:sldIdLst>
   <p:sldSz cx="12192000" cy="6858000"/>
   <p:notesSz cx="6858000" cy="9144000"/>
@@ -219,7 +218,7 @@
           <a:p>
             <a:fld id="{23A89A84-B49D-4BBC-B2F1-D40A0CCB7390}" type="datetimeFigureOut">
               <a:rPr lang="en-CA" smtClean="0"/>
-              <a:t>2023-06-16</a:t>
+              <a:t>2023-06-19</a:t>
             </a:fld>
             <a:endParaRPr lang="en-CA"/>
           </a:p>
@@ -989,7 +988,7 @@
           <a:p>
             <a:fld id="{A857E3B2-F749-45FE-9390-A42869309754}" type="datetimeFigureOut">
               <a:rPr lang="en-CA" smtClean="0"/>
-              <a:t>2023-06-16</a:t>
+              <a:t>2023-06-19</a:t>
             </a:fld>
             <a:endParaRPr lang="en-CA"/>
           </a:p>
@@ -1278,7 +1277,7 @@
           <a:p>
             <a:fld id="{A857E3B2-F749-45FE-9390-A42869309754}" type="datetimeFigureOut">
               <a:rPr lang="en-CA" smtClean="0"/>
-              <a:t>2023-06-16</a:t>
+              <a:t>2023-06-19</a:t>
             </a:fld>
             <a:endParaRPr lang="en-CA"/>
           </a:p>
@@ -1478,7 +1477,7 @@
           <a:p>
             <a:fld id="{A857E3B2-F749-45FE-9390-A42869309754}" type="datetimeFigureOut">
               <a:rPr lang="en-CA" smtClean="0"/>
-              <a:t>2023-06-16</a:t>
+              <a:t>2023-06-19</a:t>
             </a:fld>
             <a:endParaRPr lang="en-CA"/>
           </a:p>
@@ -1688,7 +1687,7 @@
           <a:p>
             <a:fld id="{A857E3B2-F749-45FE-9390-A42869309754}" type="datetimeFigureOut">
               <a:rPr lang="en-CA" smtClean="0"/>
-              <a:t>2023-06-16</a:t>
+              <a:t>2023-06-19</a:t>
             </a:fld>
             <a:endParaRPr lang="en-CA"/>
           </a:p>
@@ -2088,7 +2087,7 @@
           <a:p>
             <a:fld id="{A857E3B2-F749-45FE-9390-A42869309754}" type="datetimeFigureOut">
               <a:rPr lang="en-CA" smtClean="0"/>
-              <a:t>2023-06-16</a:t>
+              <a:t>2023-06-19</a:t>
             </a:fld>
             <a:endParaRPr lang="en-CA"/>
           </a:p>
@@ -2288,7 +2287,7 @@
           <a:p>
             <a:fld id="{A857E3B2-F749-45FE-9390-A42869309754}" type="datetimeFigureOut">
               <a:rPr lang="en-CA" smtClean="0"/>
-              <a:t>2023-06-16</a:t>
+              <a:t>2023-06-19</a:t>
             </a:fld>
             <a:endParaRPr lang="en-CA"/>
           </a:p>
@@ -2564,7 +2563,7 @@
           <a:p>
             <a:fld id="{A857E3B2-F749-45FE-9390-A42869309754}" type="datetimeFigureOut">
               <a:rPr lang="en-CA" smtClean="0"/>
-              <a:t>2023-06-16</a:t>
+              <a:t>2023-06-19</a:t>
             </a:fld>
             <a:endParaRPr lang="en-CA"/>
           </a:p>
@@ -2832,7 +2831,7 @@
           <a:p>
             <a:fld id="{A857E3B2-F749-45FE-9390-A42869309754}" type="datetimeFigureOut">
               <a:rPr lang="en-CA" smtClean="0"/>
-              <a:t>2023-06-16</a:t>
+              <a:t>2023-06-19</a:t>
             </a:fld>
             <a:endParaRPr lang="en-CA"/>
           </a:p>
@@ -3247,7 +3246,7 @@
           <a:p>
             <a:fld id="{A857E3B2-F749-45FE-9390-A42869309754}" type="datetimeFigureOut">
               <a:rPr lang="en-CA" smtClean="0"/>
-              <a:t>2023-06-16</a:t>
+              <a:t>2023-06-19</a:t>
             </a:fld>
             <a:endParaRPr lang="en-CA"/>
           </a:p>
@@ -3389,7 +3388,7 @@
           <a:p>
             <a:fld id="{A857E3B2-F749-45FE-9390-A42869309754}" type="datetimeFigureOut">
               <a:rPr lang="en-CA" smtClean="0"/>
-              <a:t>2023-06-16</a:t>
+              <a:t>2023-06-19</a:t>
             </a:fld>
             <a:endParaRPr lang="en-CA"/>
           </a:p>
@@ -3502,7 +3501,7 @@
           <a:p>
             <a:fld id="{A857E3B2-F749-45FE-9390-A42869309754}" type="datetimeFigureOut">
               <a:rPr lang="en-CA" smtClean="0"/>
-              <a:t>2023-06-16</a:t>
+              <a:t>2023-06-19</a:t>
             </a:fld>
             <a:endParaRPr lang="en-CA"/>
           </a:p>
@@ -3745,7 +3744,7 @@
           <a:p>
             <a:fld id="{A857E3B2-F749-45FE-9390-A42869309754}" type="datetimeFigureOut">
               <a:rPr lang="en-CA" smtClean="0"/>
-              <a:t>2023-06-16</a:t>
+              <a:t>2023-06-19</a:t>
             </a:fld>
             <a:endParaRPr lang="en-CA"/>
           </a:p>
@@ -6197,7 +6196,7 @@
           <a:lstStyle/>
           <a:p>
             <a:r>
-              <a:rPr lang="en-CA" sz="1000">
+              <a:rPr lang="en-CA" sz="1000" dirty="0">
                 <a:latin typeface="Open Sans" panose="020B0606030504020204" pitchFamily="34" charset="0"/>
                 <a:ea typeface="Open Sans" panose="020B0606030504020204" pitchFamily="34" charset="0"/>
                 <a:cs typeface="Open Sans" panose="020B0606030504020204" pitchFamily="34" charset="0"/>
@@ -9718,36 +9717,12 @@
               <a:buChar char="•"/>
             </a:pPr>
             <a:r>
-              <a:rPr lang="en-CA" sz="2200">
-                <a:latin typeface="Open Sans" panose="020B0606030504020204" pitchFamily="34" charset="0"/>
-                <a:ea typeface="Open Sans" panose="020B0606030504020204" pitchFamily="34" charset="0"/>
-                <a:cs typeface="Open Sans" panose="020B0606030504020204" pitchFamily="34" charset="0"/>
-              </a:rPr>
-              <a:t>1960s - academic </a:t>
-            </a:r>
-            <a:r>
               <a:rPr lang="en-CA" sz="2200" dirty="0">
                 <a:latin typeface="Open Sans" panose="020B0606030504020204" pitchFamily="34" charset="0"/>
                 <a:ea typeface="Open Sans" panose="020B0606030504020204" pitchFamily="34" charset="0"/>
                 <a:cs typeface="Open Sans" panose="020B0606030504020204" pitchFamily="34" charset="0"/>
               </a:rPr>
-              <a:t>and </a:t>
-            </a:r>
-            <a:r>
-              <a:rPr lang="en-CA" sz="2200">
-                <a:latin typeface="Open Sans" panose="020B0606030504020204" pitchFamily="34" charset="0"/>
-                <a:ea typeface="Open Sans" panose="020B0606030504020204" pitchFamily="34" charset="0"/>
-                <a:cs typeface="Open Sans" panose="020B0606030504020204" pitchFamily="34" charset="0"/>
-              </a:rPr>
-              <a:t>government researcher </a:t>
-            </a:r>
-            <a:r>
-              <a:rPr lang="en-CA" sz="2200" dirty="0">
-                <a:latin typeface="Open Sans" panose="020B0606030504020204" pitchFamily="34" charset="0"/>
-                <a:ea typeface="Open Sans" panose="020B0606030504020204" pitchFamily="34" charset="0"/>
-                <a:cs typeface="Open Sans" panose="020B0606030504020204" pitchFamily="34" charset="0"/>
-              </a:rPr>
-              <a:t>share documents between computers</a:t>
+              <a:t>1960s - academic and government researcher share documents between computers</a:t>
             </a:r>
             <a:endParaRPr lang="en-CA" sz="1200" i="1" dirty="0">
               <a:latin typeface="Open Sans" panose="020B0606030504020204" pitchFamily="34" charset="0"/>
@@ -12324,62 +12299,94 @@
           <a:lstStyle/>
           <a:p>
             <a:r>
-              <a:rPr lang="en-US" sz="1200"/>
+              <a:rPr lang="en-US" sz="1200" dirty="0"/>
               <a:t>&lt;!DOCTYPE html&gt;</a:t>
             </a:r>
           </a:p>
           <a:p>
             <a:r>
-              <a:rPr lang="en-US" sz="1200"/>
+              <a:rPr lang="en-US" sz="1200" dirty="0"/>
               <a:t>&lt;html&gt;</a:t>
             </a:r>
           </a:p>
           <a:p>
             <a:r>
-              <a:rPr lang="en-US" sz="1200"/>
+              <a:rPr lang="en-US" sz="1200" dirty="0"/>
               <a:t>  &lt;head&gt;</a:t>
             </a:r>
           </a:p>
           <a:p>
             <a:r>
-              <a:rPr lang="en-US" sz="1200">
+              <a:rPr lang="en-US" sz="1200" dirty="0">
                 <a:solidFill>
                   <a:srgbClr val="00B0F0"/>
                 </a:solidFill>
               </a:rPr>
-              <a:t>    &lt;link href="my-style.css" rel="stylesheet" /&gt;</a:t>
-            </a:r>
-          </a:p>
-          <a:p>
-            <a:r>
-              <a:rPr lang="en-US" sz="1200"/>
+              <a:t>    &lt;link </a:t>
+            </a:r>
+            <a:r>
+              <a:rPr lang="en-US" sz="1200" dirty="0" err="1">
+                <a:solidFill>
+                  <a:srgbClr val="00B0F0"/>
+                </a:solidFill>
+              </a:rPr>
+              <a:t>href</a:t>
+            </a:r>
+            <a:r>
+              <a:rPr lang="en-US" sz="1200" dirty="0">
+                <a:solidFill>
+                  <a:srgbClr val="00B0F0"/>
+                </a:solidFill>
+              </a:rPr>
+              <a:t>="my-style.css" </a:t>
+            </a:r>
+            <a:r>
+              <a:rPr lang="en-US" sz="1200" dirty="0" err="1">
+                <a:solidFill>
+                  <a:srgbClr val="00B0F0"/>
+                </a:solidFill>
+              </a:rPr>
+              <a:t>rel</a:t>
+            </a:r>
+            <a:r>
+              <a:rPr lang="en-US" sz="1200" dirty="0">
+                <a:solidFill>
+                  <a:srgbClr val="00B0F0"/>
+                </a:solidFill>
+              </a:rPr>
+              <a:t>="stylesheet" /&gt;</a:t>
+            </a:r>
+          </a:p>
+          <a:p>
+            <a:r>
+              <a:rPr lang="en-US" sz="1200" dirty="0"/>
               <a:t>  &lt;/head&gt;</a:t>
             </a:r>
           </a:p>
           <a:p>
             <a:r>
-              <a:rPr lang="en-US" sz="1200"/>
+              <a:rPr lang="en-US" sz="1200" dirty="0"/>
               <a:t>  &lt;body&gt;</a:t>
             </a:r>
           </a:p>
           <a:p>
             <a:r>
-              <a:rPr lang="en-US" sz="1200"/>
+              <a:rPr lang="en-US" sz="1200" dirty="0"/>
               <a:t>    &lt;p&gt;hello world&lt;/p&gt;</a:t>
             </a:r>
           </a:p>
           <a:p>
             <a:r>
-              <a:rPr lang="en-US" sz="1200"/>
+              <a:rPr lang="en-US" sz="1200" dirty="0"/>
               <a:t>  &lt;/body&gt;</a:t>
             </a:r>
           </a:p>
           <a:p>
             <a:r>
-              <a:rPr lang="en-US" sz="1200"/>
+              <a:rPr lang="en-US" sz="1200" dirty="0"/>
               <a:t>&lt;/html&gt;</a:t>
             </a:r>
-            <a:endParaRPr lang="en-CA" sz="1200"/>
+            <a:endParaRPr lang="en-CA" sz="1200" dirty="0"/>
           </a:p>
         </p:txBody>
       </p:sp>
@@ -12414,64 +12421,80 @@
           <a:lstStyle/>
           <a:p>
             <a:r>
-              <a:rPr lang="en-US" sz="1200"/>
+              <a:rPr lang="en-US" sz="1200" dirty="0"/>
               <a:t>&lt;!DOCTYPE html&gt;</a:t>
             </a:r>
           </a:p>
           <a:p>
             <a:r>
-              <a:rPr lang="en-US" sz="1200"/>
+              <a:rPr lang="en-US" sz="1200" dirty="0"/>
               <a:t>&lt;html&gt;</a:t>
             </a:r>
           </a:p>
           <a:p>
             <a:r>
-              <a:rPr lang="en-US" sz="1200"/>
+              <a:rPr lang="en-US" sz="1200" dirty="0"/>
               <a:t>  &lt;head&gt;</a:t>
             </a:r>
           </a:p>
           <a:p>
             <a:r>
-              <a:rPr lang="en-US" sz="1200"/>
+              <a:rPr lang="en-US" sz="1200" dirty="0"/>
               <a:t>  &lt;/head&gt;</a:t>
             </a:r>
           </a:p>
           <a:p>
             <a:r>
-              <a:rPr lang="en-US" sz="1200"/>
+              <a:rPr lang="en-US" sz="1200" dirty="0"/>
               <a:t>  &lt;body&gt;</a:t>
             </a:r>
           </a:p>
           <a:p>
             <a:r>
-              <a:rPr lang="en-US" sz="1200"/>
+              <a:rPr lang="en-US" sz="1200" dirty="0"/>
               <a:t>    &lt;p</a:t>
             </a:r>
             <a:r>
-              <a:rPr lang="en-US" sz="1200">
+              <a:rPr lang="en-US" sz="1200" dirty="0">
                 <a:solidFill>
                   <a:srgbClr val="00B0F0"/>
                 </a:solidFill>
               </a:rPr>
-              <a:t> style="color:red;"</a:t>
-            </a:r>
-            <a:r>
-              <a:rPr lang="en-US" sz="1200"/>
+              <a:t> style="</a:t>
+            </a:r>
+            <a:r>
+              <a:rPr lang="en-US" sz="1200" dirty="0" err="1">
+                <a:solidFill>
+                  <a:srgbClr val="00B0F0"/>
+                </a:solidFill>
+              </a:rPr>
+              <a:t>color:red</a:t>
+            </a:r>
+            <a:r>
+              <a:rPr lang="en-US" sz="1200" dirty="0">
+                <a:solidFill>
+                  <a:srgbClr val="00B0F0"/>
+                </a:solidFill>
+              </a:rPr>
+              <a:t>;“</a:t>
+            </a:r>
+            <a:r>
+              <a:rPr lang="en-US" sz="1200" dirty="0"/>
               <a:t>&gt;hello world&lt;/p&gt;</a:t>
             </a:r>
           </a:p>
           <a:p>
             <a:r>
-              <a:rPr lang="en-US" sz="1200"/>
+              <a:rPr lang="en-US" sz="1200" dirty="0"/>
               <a:t>  &lt;/body&gt;</a:t>
             </a:r>
           </a:p>
           <a:p>
             <a:r>
-              <a:rPr lang="en-US" sz="1200"/>
+              <a:rPr lang="en-US" sz="1200" dirty="0"/>
               <a:t>&lt;/html&gt;</a:t>
             </a:r>
-            <a:endParaRPr lang="en-CA" sz="1200"/>
+            <a:endParaRPr lang="en-CA" sz="1200" dirty="0"/>
           </a:p>
         </p:txBody>
       </p:sp>
@@ -12506,25 +12529,25 @@
           <a:lstStyle/>
           <a:p>
             <a:r>
-              <a:rPr lang="en-US" sz="1200"/>
+              <a:rPr lang="en-US" sz="1200" dirty="0"/>
               <a:t>&lt;!DOCTYPE html&gt;</a:t>
             </a:r>
           </a:p>
           <a:p>
             <a:r>
-              <a:rPr lang="en-US" sz="1200"/>
+              <a:rPr lang="en-US" sz="1200" dirty="0"/>
               <a:t>&lt;html&gt;</a:t>
             </a:r>
           </a:p>
           <a:p>
             <a:r>
-              <a:rPr lang="en-US" sz="1200"/>
+              <a:rPr lang="en-US" sz="1200" dirty="0"/>
               <a:t>  &lt;head&gt;</a:t>
             </a:r>
           </a:p>
           <a:p>
             <a:r>
-              <a:rPr lang="en-US" sz="1200">
+              <a:rPr lang="en-US" sz="1200" dirty="0">
                 <a:solidFill>
                   <a:srgbClr val="00B0F0"/>
                 </a:solidFill>
@@ -12534,54 +12557,70 @@
           </a:p>
           <a:p>
             <a:r>
-              <a:rPr lang="en-US" sz="1200">
+              <a:rPr lang="en-US" sz="1200" dirty="0">
                 <a:solidFill>
                   <a:srgbClr val="00B0F0"/>
                 </a:solidFill>
               </a:rPr>
-              <a:t>       p {color:red;}</a:t>
-            </a:r>
-          </a:p>
-          <a:p>
-            <a:r>
-              <a:rPr lang="en-US" sz="1200">
+              <a:t>       p {</a:t>
+            </a:r>
+            <a:r>
+              <a:rPr lang="en-US" sz="1200" dirty="0" err="1">
                 <a:solidFill>
                   <a:srgbClr val="00B0F0"/>
                 </a:solidFill>
               </a:rPr>
+              <a:t>color:red</a:t>
+            </a:r>
+            <a:r>
+              <a:rPr lang="en-US" sz="1200" dirty="0">
+                <a:solidFill>
+                  <a:srgbClr val="00B0F0"/>
+                </a:solidFill>
+              </a:rPr>
+              <a:t>;}</a:t>
+            </a:r>
+          </a:p>
+          <a:p>
+            <a:r>
+              <a:rPr lang="en-US" sz="1200" dirty="0">
+                <a:solidFill>
+                  <a:srgbClr val="00B0F0"/>
+                </a:solidFill>
+              </a:rPr>
               <a:t>    &lt;/style&gt;</a:t>
             </a:r>
           </a:p>
           <a:p>
             <a:r>
-              <a:rPr lang="en-US" sz="1200"/>
+              <a:rPr lang="en-US" sz="1200" dirty="0"/>
               <a:t>  &lt;/head&gt;</a:t>
             </a:r>
           </a:p>
           <a:p>
             <a:r>
-              <a:rPr lang="en-US" sz="1200"/>
+              <a:rPr lang="en-US" sz="1200" dirty="0"/>
               <a:t>  &lt;body&gt;</a:t>
             </a:r>
           </a:p>
           <a:p>
             <a:r>
-              <a:rPr lang="en-US" sz="1200"/>
+              <a:rPr lang="en-US" sz="1200" dirty="0"/>
               <a:t>    &lt;p&gt;hello world&lt;/p&gt;</a:t>
             </a:r>
           </a:p>
           <a:p>
             <a:r>
-              <a:rPr lang="en-US" sz="1200"/>
+              <a:rPr lang="en-US" sz="1200" dirty="0"/>
               <a:t>  &lt;/body&gt;</a:t>
             </a:r>
           </a:p>
           <a:p>
             <a:r>
-              <a:rPr lang="en-US" sz="1200"/>
+              <a:rPr lang="en-US" sz="1200" dirty="0"/>
               <a:t>&lt;/html&gt;</a:t>
             </a:r>
-            <a:endParaRPr lang="en-CA" sz="1200"/>
+            <a:endParaRPr lang="en-CA" sz="1200" dirty="0"/>
           </a:p>
         </p:txBody>
       </p:sp>
@@ -13247,7 +13286,7 @@
           <p:cNvPr id="2" name="Rectangle 1">
             <a:extLst>
               <a:ext uri="{FF2B5EF4-FFF2-40B4-BE49-F238E27FC236}">
-                <a16:creationId xmlns:a16="http://schemas.microsoft.com/office/drawing/2014/main" id="{9A46497E-08E3-42E3-B95C-DE59A20F68FB}"/>
+                <a16:creationId xmlns:a16="http://schemas.microsoft.com/office/drawing/2014/main" id="{2004DF0B-2D77-00B0-F9B6-FF55ED79EB05}"/>
               </a:ext>
             </a:extLst>
           </p:cNvPr>
@@ -13301,7 +13340,7 @@
           <p:cNvPr id="3" name="TextBox 2">
             <a:extLst>
               <a:ext uri="{FF2B5EF4-FFF2-40B4-BE49-F238E27FC236}">
-                <a16:creationId xmlns:a16="http://schemas.microsoft.com/office/drawing/2014/main" id="{D6AA3631-133A-4901-BC13-5DF81E89F1CF}"/>
+                <a16:creationId xmlns:a16="http://schemas.microsoft.com/office/drawing/2014/main" id="{E2D54BC7-5011-A015-F342-E701C2F25922}"/>
               </a:ext>
             </a:extLst>
           </p:cNvPr>
@@ -13310,8 +13349,8 @@
         </p:nvSpPr>
         <p:spPr>
           <a:xfrm>
-            <a:off x="1750167" y="913721"/>
-            <a:ext cx="8543464" cy="630942"/>
+            <a:off x="1747717" y="908489"/>
+            <a:ext cx="8570422" cy="630942"/>
           </a:xfrm>
           <a:prstGeom prst="rect">
             <a:avLst/>
@@ -13326,20 +13365,56 @@
           <a:p>
             <a:pPr algn="ctr"/>
             <a:r>
-              <a:rPr lang="en-CA" sz="3500" dirty="0">
+              <a:rPr lang="en-CA" sz="3500">
                 <a:latin typeface="Proxima Nova Bl" panose="02000506030000020004" pitchFamily="50" charset="0"/>
               </a:rPr>
-              <a:t>CSS – SEPARATE CONCERNS</a:t>
-            </a:r>
-          </a:p>
-        </p:txBody>
-      </p:sp>
-      <p:sp>
-        <p:nvSpPr>
-          <p:cNvPr id="4" name="TextBox 3">
-            <a:extLst>
-              <a:ext uri="{FF2B5EF4-FFF2-40B4-BE49-F238E27FC236}">
-                <a16:creationId xmlns:a16="http://schemas.microsoft.com/office/drawing/2014/main" id="{ECFA45BD-A506-3451-AACA-00CE57E5E29D}"/>
+              <a:t>ANATOMY OF CSS DECLARATION</a:t>
+            </a:r>
+          </a:p>
+        </p:txBody>
+      </p:sp>
+      <p:pic>
+        <p:nvPicPr>
+          <p:cNvPr id="4" name="Picture 3" descr="A screenshot of a cell phone&#10;&#10;Description automatically generated">
+            <a:extLst>
+              <a:ext uri="{FF2B5EF4-FFF2-40B4-BE49-F238E27FC236}">
+                <a16:creationId xmlns:a16="http://schemas.microsoft.com/office/drawing/2014/main" id="{5E171CFF-04E5-7A5B-70BB-5DF357332D78}"/>
+              </a:ext>
+            </a:extLst>
+          </p:cNvPr>
+          <p:cNvPicPr>
+            <a:picLocks noChangeAspect="1"/>
+          </p:cNvPicPr>
+          <p:nvPr/>
+        </p:nvPicPr>
+        <p:blipFill>
+          <a:blip r:embed="rId2">
+            <a:extLst>
+              <a:ext uri="{28A0092B-C50C-407E-A947-70E740481C1C}">
+                <a14:useLocalDpi xmlns:a14="http://schemas.microsoft.com/office/drawing/2010/main" val="0"/>
+              </a:ext>
+            </a:extLst>
+          </a:blip>
+          <a:stretch>
+            <a:fillRect/>
+          </a:stretch>
+        </p:blipFill>
+        <p:spPr>
+          <a:xfrm>
+            <a:off x="538677" y="2255680"/>
+            <a:ext cx="3711724" cy="2096032"/>
+          </a:xfrm>
+          <a:prstGeom prst="rect">
+            <a:avLst/>
+          </a:prstGeom>
+        </p:spPr>
+      </p:pic>
+      <p:sp>
+        <p:nvSpPr>
+          <p:cNvPr id="5" name="TextBox 4">
+            <a:extLst>
+              <a:ext uri="{FF2B5EF4-FFF2-40B4-BE49-F238E27FC236}">
+                <a16:creationId xmlns:a16="http://schemas.microsoft.com/office/drawing/2014/main" id="{5F62DEB4-15EE-0D18-BCE3-60FB1A05AA59}"/>
               </a:ext>
             </a:extLst>
           </p:cNvPr>
@@ -13348,8 +13423,8 @@
         </p:nvSpPr>
         <p:spPr>
           <a:xfrm>
-            <a:off x="1284176" y="2721486"/>
-            <a:ext cx="9354516" cy="1785104"/>
+            <a:off x="4480562" y="2255680"/>
+            <a:ext cx="7124007" cy="830997"/>
           </a:xfrm>
           <a:prstGeom prst="rect">
             <a:avLst/>
@@ -13362,104 +13437,220 @@
           </a:bodyPr>
           <a:lstStyle/>
           <a:p>
-            <a:pPr marL="457200" indent="-457200">
-              <a:buFont typeface="Arial" panose="020B0604020202020204" pitchFamily="34" charset="0"/>
-              <a:buChar char="•"/>
-            </a:pPr>
-            <a:r>
-              <a:rPr lang="en-CA" sz="2200" b="1" dirty="0">
-                <a:latin typeface="Open Sans" panose="020B0606030504020204" pitchFamily="34" charset="0"/>
-                <a:ea typeface="Open Sans" panose="020B0606030504020204" pitchFamily="34" charset="0"/>
-                <a:cs typeface="Open Sans" panose="020B0606030504020204" pitchFamily="34" charset="0"/>
-              </a:rPr>
-              <a:t>Maintainability</a:t>
-            </a:r>
-            <a:r>
-              <a:rPr lang="en-CA" sz="2200" dirty="0">
-                <a:latin typeface="Open Sans" panose="020B0606030504020204" pitchFamily="34" charset="0"/>
-                <a:ea typeface="Open Sans" panose="020B0606030504020204" pitchFamily="34" charset="0"/>
-                <a:cs typeface="Open Sans" panose="020B0606030504020204" pitchFamily="34" charset="0"/>
-              </a:rPr>
-              <a:t> – Easier to update themes separate from HTML</a:t>
-            </a:r>
-          </a:p>
-          <a:p>
-            <a:pPr marL="457200" indent="-457200">
-              <a:buFont typeface="Arial" panose="020B0604020202020204" pitchFamily="34" charset="0"/>
-              <a:buChar char="•"/>
-            </a:pPr>
-            <a:endParaRPr lang="en-CA" sz="2200" b="1" dirty="0">
-              <a:latin typeface="Open Sans" panose="020B0606030504020204" pitchFamily="34" charset="0"/>
-              <a:ea typeface="Open Sans" panose="020B0606030504020204" pitchFamily="34" charset="0"/>
-              <a:cs typeface="Open Sans" panose="020B0606030504020204" pitchFamily="34" charset="0"/>
-            </a:endParaRPr>
-          </a:p>
-          <a:p>
-            <a:pPr marL="457200" indent="-457200">
-              <a:buFont typeface="Arial" panose="020B0604020202020204" pitchFamily="34" charset="0"/>
-              <a:buChar char="•"/>
-            </a:pPr>
-            <a:r>
-              <a:rPr lang="en-CA" sz="2200" b="1" dirty="0">
-                <a:latin typeface="Open Sans" panose="020B0606030504020204" pitchFamily="34" charset="0"/>
-                <a:ea typeface="Open Sans" panose="020B0606030504020204" pitchFamily="34" charset="0"/>
-                <a:cs typeface="Open Sans" panose="020B0606030504020204" pitchFamily="34" charset="0"/>
-              </a:rPr>
-              <a:t>Accessibility</a:t>
-            </a:r>
-            <a:r>
-              <a:rPr lang="en-CA" sz="2200" dirty="0">
-                <a:latin typeface="Open Sans" panose="020B0606030504020204" pitchFamily="34" charset="0"/>
-                <a:ea typeface="Open Sans" panose="020B0606030504020204" pitchFamily="34" charset="0"/>
-                <a:cs typeface="Open Sans" panose="020B0606030504020204" pitchFamily="34" charset="0"/>
-              </a:rPr>
-              <a:t> – Individuals using assistive devices</a:t>
-            </a:r>
-          </a:p>
-          <a:p>
-            <a:pPr marL="457200" indent="-457200">
-              <a:buFont typeface="Arial" panose="020B0604020202020204" pitchFamily="34" charset="0"/>
-              <a:buChar char="•"/>
-            </a:pPr>
-            <a:endParaRPr lang="en-CA" sz="2200" dirty="0">
-              <a:latin typeface="Open Sans" panose="020B0606030504020204" pitchFamily="34" charset="0"/>
-              <a:ea typeface="Open Sans" panose="020B0606030504020204" pitchFamily="34" charset="0"/>
-              <a:cs typeface="Open Sans" panose="020B0606030504020204" pitchFamily="34" charset="0"/>
-            </a:endParaRPr>
-          </a:p>
-          <a:p>
-            <a:pPr marL="457200" indent="-457200">
-              <a:buFont typeface="Arial" panose="020B0604020202020204" pitchFamily="34" charset="0"/>
-              <a:buChar char="•"/>
-            </a:pPr>
-            <a:r>
-              <a:rPr lang="en-CA" sz="2200" b="1" dirty="0">
-                <a:latin typeface="Open Sans" panose="020B0606030504020204" pitchFamily="34" charset="0"/>
-                <a:ea typeface="Open Sans" panose="020B0606030504020204" pitchFamily="34" charset="0"/>
-                <a:cs typeface="Open Sans" panose="020B0606030504020204" pitchFamily="34" charset="0"/>
-              </a:rPr>
-              <a:t>Performance/Speed</a:t>
-            </a:r>
-            <a:r>
-              <a:rPr lang="en-CA" sz="2200" dirty="0">
-                <a:latin typeface="Open Sans" panose="020B0606030504020204" pitchFamily="34" charset="0"/>
-                <a:ea typeface="Open Sans" panose="020B0606030504020204" pitchFamily="34" charset="0"/>
-                <a:cs typeface="Open Sans" panose="020B0606030504020204" pitchFamily="34" charset="0"/>
-              </a:rPr>
-              <a:t> – Decrease page load time</a:t>
-            </a:r>
-            <a:endParaRPr lang="en-CA" sz="2200" b="1" dirty="0">
-              <a:latin typeface="Open Sans" panose="020B0606030504020204" pitchFamily="34" charset="0"/>
-              <a:ea typeface="Open Sans" panose="020B0606030504020204" pitchFamily="34" charset="0"/>
-              <a:cs typeface="Open Sans" panose="020B0606030504020204" pitchFamily="34" charset="0"/>
-            </a:endParaRPr>
+            <a:r>
+              <a:rPr lang="en-CA" sz="1600" b="1">
+                <a:solidFill>
+                  <a:srgbClr val="7030A0"/>
+                </a:solidFill>
+                <a:latin typeface="Open Sans" panose="020B0606030504020204" pitchFamily="34" charset="0"/>
+                <a:ea typeface="Open Sans" panose="020B0606030504020204" pitchFamily="34" charset="0"/>
+                <a:cs typeface="Open Sans" panose="020B0606030504020204" pitchFamily="34" charset="0"/>
+              </a:rPr>
+              <a:t>Selector</a:t>
+            </a:r>
+            <a:r>
+              <a:rPr lang="en-CA" sz="1600">
+                <a:latin typeface="Open Sans" panose="020B0606030504020204" pitchFamily="34" charset="0"/>
+                <a:ea typeface="Open Sans" panose="020B0606030504020204" pitchFamily="34" charset="0"/>
+                <a:cs typeface="Open Sans" panose="020B0606030504020204" pitchFamily="34" charset="0"/>
+              </a:rPr>
+              <a:t> – The HTML tags to style.  We will learn shortly that there are many ways to express the specific HTML tag you wish to style.  In this example, we are selecting ALL &lt;p&gt; tags.</a:t>
+            </a:r>
+          </a:p>
+        </p:txBody>
+      </p:sp>
+      <p:sp>
+        <p:nvSpPr>
+          <p:cNvPr id="6" name="TextBox 5">
+            <a:extLst>
+              <a:ext uri="{FF2B5EF4-FFF2-40B4-BE49-F238E27FC236}">
+                <a16:creationId xmlns:a16="http://schemas.microsoft.com/office/drawing/2014/main" id="{A0F0066B-D59A-4D1D-1077-7C3CB2B4CE8A}"/>
+              </a:ext>
+            </a:extLst>
+          </p:cNvPr>
+          <p:cNvSpPr txBox="1"/>
+          <p:nvPr/>
+        </p:nvSpPr>
+        <p:spPr>
+          <a:xfrm>
+            <a:off x="4454414" y="3322573"/>
+            <a:ext cx="7124007" cy="1077218"/>
+          </a:xfrm>
+          <a:prstGeom prst="rect">
+            <a:avLst/>
+          </a:prstGeom>
+          <a:noFill/>
+        </p:spPr>
+        <p:txBody>
+          <a:bodyPr wrap="square" rtlCol="0">
+            <a:spAutoFit/>
+          </a:bodyPr>
+          <a:lstStyle/>
+          <a:p>
+            <a:r>
+              <a:rPr lang="en-CA" sz="1600" b="1">
+                <a:solidFill>
+                  <a:srgbClr val="7030A0"/>
+                </a:solidFill>
+                <a:latin typeface="Open Sans" panose="020B0606030504020204" pitchFamily="34" charset="0"/>
+                <a:ea typeface="Open Sans" panose="020B0606030504020204" pitchFamily="34" charset="0"/>
+                <a:cs typeface="Open Sans" panose="020B0606030504020204" pitchFamily="34" charset="0"/>
+              </a:rPr>
+              <a:t>Declaration</a:t>
+            </a:r>
+            <a:r>
+              <a:rPr lang="en-CA" sz="1600">
+                <a:latin typeface="Open Sans" panose="020B0606030504020204" pitchFamily="34" charset="0"/>
+                <a:ea typeface="Open Sans" panose="020B0606030504020204" pitchFamily="34" charset="0"/>
+                <a:cs typeface="Open Sans" panose="020B0606030504020204" pitchFamily="34" charset="0"/>
+              </a:rPr>
+              <a:t> – The style rule to apply.  In this example, we have only one declaration.  However, we can have multiple style declarations separated by the semi-colon.  Each declaration is made up of a </a:t>
+            </a:r>
+            <a:r>
+              <a:rPr lang="en-CA" sz="1600" b="1">
+                <a:solidFill>
+                  <a:srgbClr val="7030A0"/>
+                </a:solidFill>
+                <a:latin typeface="Open Sans" panose="020B0606030504020204" pitchFamily="34" charset="0"/>
+                <a:ea typeface="Open Sans" panose="020B0606030504020204" pitchFamily="34" charset="0"/>
+                <a:cs typeface="Open Sans" panose="020B0606030504020204" pitchFamily="34" charset="0"/>
+              </a:rPr>
+              <a:t>property</a:t>
+            </a:r>
+            <a:r>
+              <a:rPr lang="en-CA" sz="1600">
+                <a:latin typeface="Open Sans" panose="020B0606030504020204" pitchFamily="34" charset="0"/>
+                <a:ea typeface="Open Sans" panose="020B0606030504020204" pitchFamily="34" charset="0"/>
+                <a:cs typeface="Open Sans" panose="020B0606030504020204" pitchFamily="34" charset="0"/>
+              </a:rPr>
+              <a:t> and and a </a:t>
+            </a:r>
+            <a:r>
+              <a:rPr lang="en-CA" sz="1600" b="1">
+                <a:solidFill>
+                  <a:srgbClr val="7030A0"/>
+                </a:solidFill>
+                <a:latin typeface="Open Sans" panose="020B0606030504020204" pitchFamily="34" charset="0"/>
+                <a:ea typeface="Open Sans" panose="020B0606030504020204" pitchFamily="34" charset="0"/>
+                <a:cs typeface="Open Sans" panose="020B0606030504020204" pitchFamily="34" charset="0"/>
+              </a:rPr>
+              <a:t>property value</a:t>
+            </a:r>
+            <a:r>
+              <a:rPr lang="en-CA" sz="1600">
+                <a:latin typeface="Open Sans" panose="020B0606030504020204" pitchFamily="34" charset="0"/>
+                <a:ea typeface="Open Sans" panose="020B0606030504020204" pitchFamily="34" charset="0"/>
+                <a:cs typeface="Open Sans" panose="020B0606030504020204" pitchFamily="34" charset="0"/>
+              </a:rPr>
+              <a:t>.</a:t>
+            </a:r>
+          </a:p>
+        </p:txBody>
+      </p:sp>
+      <p:sp>
+        <p:nvSpPr>
+          <p:cNvPr id="7" name="TextBox 6">
+            <a:extLst>
+              <a:ext uri="{FF2B5EF4-FFF2-40B4-BE49-F238E27FC236}">
+                <a16:creationId xmlns:a16="http://schemas.microsoft.com/office/drawing/2014/main" id="{CA3069F0-40BC-8E71-AB6E-9E782144B876}"/>
+              </a:ext>
+            </a:extLst>
+          </p:cNvPr>
+          <p:cNvSpPr txBox="1"/>
+          <p:nvPr/>
+        </p:nvSpPr>
+        <p:spPr>
+          <a:xfrm>
+            <a:off x="505425" y="4658616"/>
+            <a:ext cx="11056370" cy="584775"/>
+          </a:xfrm>
+          <a:prstGeom prst="rect">
+            <a:avLst/>
+          </a:prstGeom>
+          <a:noFill/>
+        </p:spPr>
+        <p:txBody>
+          <a:bodyPr wrap="square" rtlCol="0">
+            <a:spAutoFit/>
+          </a:bodyPr>
+          <a:lstStyle/>
+          <a:p>
+            <a:r>
+              <a:rPr lang="en-CA" sz="1600" b="1">
+                <a:solidFill>
+                  <a:srgbClr val="7030A0"/>
+                </a:solidFill>
+                <a:latin typeface="Open Sans" panose="020B0606030504020204" pitchFamily="34" charset="0"/>
+                <a:ea typeface="Open Sans" panose="020B0606030504020204" pitchFamily="34" charset="0"/>
+                <a:cs typeface="Open Sans" panose="020B0606030504020204" pitchFamily="34" charset="0"/>
+              </a:rPr>
+              <a:t>Property</a:t>
+            </a:r>
+            <a:r>
+              <a:rPr lang="en-CA" sz="1600">
+                <a:latin typeface="Open Sans" panose="020B0606030504020204" pitchFamily="34" charset="0"/>
+                <a:ea typeface="Open Sans" panose="020B0606030504020204" pitchFamily="34" charset="0"/>
+                <a:cs typeface="Open Sans" panose="020B0606030504020204" pitchFamily="34" charset="0"/>
+              </a:rPr>
+              <a:t> – The style property to change.  There are many types of properties to choose from, most of which are obvious like font, background, padding, margin, etc…</a:t>
+            </a:r>
+          </a:p>
+        </p:txBody>
+      </p:sp>
+      <p:sp>
+        <p:nvSpPr>
+          <p:cNvPr id="8" name="TextBox 7">
+            <a:extLst>
+              <a:ext uri="{FF2B5EF4-FFF2-40B4-BE49-F238E27FC236}">
+                <a16:creationId xmlns:a16="http://schemas.microsoft.com/office/drawing/2014/main" id="{18C7CC37-20AC-4B50-A7B4-737FCC5E49AB}"/>
+              </a:ext>
+            </a:extLst>
+          </p:cNvPr>
+          <p:cNvSpPr txBox="1"/>
+          <p:nvPr/>
+        </p:nvSpPr>
+        <p:spPr>
+          <a:xfrm>
+            <a:off x="505425" y="5424592"/>
+            <a:ext cx="10675193" cy="584775"/>
+          </a:xfrm>
+          <a:prstGeom prst="rect">
+            <a:avLst/>
+          </a:prstGeom>
+          <a:noFill/>
+        </p:spPr>
+        <p:txBody>
+          <a:bodyPr wrap="square" rtlCol="0">
+            <a:spAutoFit/>
+          </a:bodyPr>
+          <a:lstStyle/>
+          <a:p>
+            <a:r>
+              <a:rPr lang="en-CA" sz="1600" b="1">
+                <a:solidFill>
+                  <a:srgbClr val="7030A0"/>
+                </a:solidFill>
+                <a:latin typeface="Open Sans" panose="020B0606030504020204" pitchFamily="34" charset="0"/>
+                <a:ea typeface="Open Sans" panose="020B0606030504020204" pitchFamily="34" charset="0"/>
+                <a:cs typeface="Open Sans" panose="020B0606030504020204" pitchFamily="34" charset="0"/>
+              </a:rPr>
+              <a:t>Property Value</a:t>
+            </a:r>
+            <a:r>
+              <a:rPr lang="en-CA" sz="1600">
+                <a:latin typeface="Open Sans" panose="020B0606030504020204" pitchFamily="34" charset="0"/>
+                <a:ea typeface="Open Sans" panose="020B0606030504020204" pitchFamily="34" charset="0"/>
+                <a:cs typeface="Open Sans" panose="020B0606030504020204" pitchFamily="34" charset="0"/>
+              </a:rPr>
+              <a:t> – The specific style you wish to apply to a property.  The acceptable properties will depend on the property you are trying to change.</a:t>
+            </a:r>
           </a:p>
         </p:txBody>
       </p:sp>
     </p:spTree>
     <p:extLst>
       <p:ext uri="{BB962C8B-B14F-4D97-AF65-F5344CB8AC3E}">
-        <p14:creationId xmlns:p14="http://schemas.microsoft.com/office/powerpoint/2010/main" val="2405481885"/>
+        <p14:creationId xmlns:p14="http://schemas.microsoft.com/office/powerpoint/2010/main" val="2847289236"/>
       </p:ext>
     </p:extLst>
   </p:cSld>
@@ -13491,7 +13682,7 @@
           <p:cNvPr id="2" name="Rectangle 1">
             <a:extLst>
               <a:ext uri="{FF2B5EF4-FFF2-40B4-BE49-F238E27FC236}">
-                <a16:creationId xmlns:a16="http://schemas.microsoft.com/office/drawing/2014/main" id="{2004DF0B-2D77-00B0-F9B6-FF55ED79EB05}"/>
+                <a16:creationId xmlns:a16="http://schemas.microsoft.com/office/drawing/2014/main" id="{9A46497E-08E3-42E3-B95C-DE59A20F68FB}"/>
               </a:ext>
             </a:extLst>
           </p:cNvPr>
@@ -13545,7 +13736,7 @@
           <p:cNvPr id="3" name="TextBox 2">
             <a:extLst>
               <a:ext uri="{FF2B5EF4-FFF2-40B4-BE49-F238E27FC236}">
-                <a16:creationId xmlns:a16="http://schemas.microsoft.com/office/drawing/2014/main" id="{E2D54BC7-5011-A015-F342-E701C2F25922}"/>
+                <a16:creationId xmlns:a16="http://schemas.microsoft.com/office/drawing/2014/main" id="{D6AA3631-133A-4901-BC13-5DF81E89F1CF}"/>
               </a:ext>
             </a:extLst>
           </p:cNvPr>
@@ -13554,8 +13745,8 @@
         </p:nvSpPr>
         <p:spPr>
           <a:xfrm>
-            <a:off x="1747717" y="908489"/>
-            <a:ext cx="8570422" cy="630942"/>
+            <a:off x="1750167" y="913721"/>
+            <a:ext cx="8543464" cy="630942"/>
           </a:xfrm>
           <a:prstGeom prst="rect">
             <a:avLst/>
@@ -13570,56 +13761,20 @@
           <a:p>
             <a:pPr algn="ctr"/>
             <a:r>
-              <a:rPr lang="en-CA" sz="3500">
+              <a:rPr lang="en-CA" sz="3500" dirty="0">
                 <a:latin typeface="Proxima Nova Bl" panose="02000506030000020004" pitchFamily="50" charset="0"/>
               </a:rPr>
-              <a:t>ANATOMY OF CSS DECLARATION</a:t>
-            </a:r>
-          </a:p>
-        </p:txBody>
-      </p:sp>
-      <p:pic>
-        <p:nvPicPr>
-          <p:cNvPr id="4" name="Picture 3" descr="A screenshot of a cell phone&#10;&#10;Description automatically generated">
-            <a:extLst>
-              <a:ext uri="{FF2B5EF4-FFF2-40B4-BE49-F238E27FC236}">
-                <a16:creationId xmlns:a16="http://schemas.microsoft.com/office/drawing/2014/main" id="{5E171CFF-04E5-7A5B-70BB-5DF357332D78}"/>
-              </a:ext>
-            </a:extLst>
-          </p:cNvPr>
-          <p:cNvPicPr>
-            <a:picLocks noChangeAspect="1"/>
-          </p:cNvPicPr>
-          <p:nvPr/>
-        </p:nvPicPr>
-        <p:blipFill>
-          <a:blip r:embed="rId2">
-            <a:extLst>
-              <a:ext uri="{28A0092B-C50C-407E-A947-70E740481C1C}">
-                <a14:useLocalDpi xmlns:a14="http://schemas.microsoft.com/office/drawing/2010/main" val="0"/>
-              </a:ext>
-            </a:extLst>
-          </a:blip>
-          <a:stretch>
-            <a:fillRect/>
-          </a:stretch>
-        </p:blipFill>
-        <p:spPr>
-          <a:xfrm>
-            <a:off x="538677" y="2255680"/>
-            <a:ext cx="3711724" cy="2096032"/>
-          </a:xfrm>
-          <a:prstGeom prst="rect">
-            <a:avLst/>
-          </a:prstGeom>
-        </p:spPr>
-      </p:pic>
-      <p:sp>
-        <p:nvSpPr>
-          <p:cNvPr id="5" name="TextBox 4">
-            <a:extLst>
-              <a:ext uri="{FF2B5EF4-FFF2-40B4-BE49-F238E27FC236}">
-                <a16:creationId xmlns:a16="http://schemas.microsoft.com/office/drawing/2014/main" id="{5F62DEB4-15EE-0D18-BCE3-60FB1A05AA59}"/>
+              <a:t>CSS – SEPARATE CONCERNS</a:t>
+            </a:r>
+          </a:p>
+        </p:txBody>
+      </p:sp>
+      <p:sp>
+        <p:nvSpPr>
+          <p:cNvPr id="4" name="TextBox 3">
+            <a:extLst>
+              <a:ext uri="{FF2B5EF4-FFF2-40B4-BE49-F238E27FC236}">
+                <a16:creationId xmlns:a16="http://schemas.microsoft.com/office/drawing/2014/main" id="{ECFA45BD-A506-3451-AACA-00CE57E5E29D}"/>
               </a:ext>
             </a:extLst>
           </p:cNvPr>
@@ -13628,8 +13783,8 @@
         </p:nvSpPr>
         <p:spPr>
           <a:xfrm>
-            <a:off x="4480562" y="2255680"/>
-            <a:ext cx="7124007" cy="830997"/>
+            <a:off x="1284176" y="2721486"/>
+            <a:ext cx="9354516" cy="1785104"/>
           </a:xfrm>
           <a:prstGeom prst="rect">
             <a:avLst/>
@@ -13642,220 +13797,104 @@
           </a:bodyPr>
           <a:lstStyle/>
           <a:p>
-            <a:r>
-              <a:rPr lang="en-CA" sz="1600" b="1">
-                <a:solidFill>
-                  <a:srgbClr val="7030A0"/>
-                </a:solidFill>
-                <a:latin typeface="Open Sans" panose="020B0606030504020204" pitchFamily="34" charset="0"/>
-                <a:ea typeface="Open Sans" panose="020B0606030504020204" pitchFamily="34" charset="0"/>
-                <a:cs typeface="Open Sans" panose="020B0606030504020204" pitchFamily="34" charset="0"/>
-              </a:rPr>
-              <a:t>Selector</a:t>
-            </a:r>
-            <a:r>
-              <a:rPr lang="en-CA" sz="1600">
-                <a:latin typeface="Open Sans" panose="020B0606030504020204" pitchFamily="34" charset="0"/>
-                <a:ea typeface="Open Sans" panose="020B0606030504020204" pitchFamily="34" charset="0"/>
-                <a:cs typeface="Open Sans" panose="020B0606030504020204" pitchFamily="34" charset="0"/>
-              </a:rPr>
-              <a:t> – The HTML tags to style.  We will learn shortly that there are many ways to express the specific HTML tag you wish to style.  In this example, we are selecting ALL &lt;p&gt; tags.</a:t>
-            </a:r>
-          </a:p>
-        </p:txBody>
-      </p:sp>
-      <p:sp>
-        <p:nvSpPr>
-          <p:cNvPr id="6" name="TextBox 5">
-            <a:extLst>
-              <a:ext uri="{FF2B5EF4-FFF2-40B4-BE49-F238E27FC236}">
-                <a16:creationId xmlns:a16="http://schemas.microsoft.com/office/drawing/2014/main" id="{A0F0066B-D59A-4D1D-1077-7C3CB2B4CE8A}"/>
-              </a:ext>
-            </a:extLst>
-          </p:cNvPr>
-          <p:cNvSpPr txBox="1"/>
-          <p:nvPr/>
-        </p:nvSpPr>
-        <p:spPr>
-          <a:xfrm>
-            <a:off x="4454414" y="3322573"/>
-            <a:ext cx="7124007" cy="1077218"/>
-          </a:xfrm>
-          <a:prstGeom prst="rect">
-            <a:avLst/>
-          </a:prstGeom>
-          <a:noFill/>
-        </p:spPr>
-        <p:txBody>
-          <a:bodyPr wrap="square" rtlCol="0">
-            <a:spAutoFit/>
-          </a:bodyPr>
-          <a:lstStyle/>
-          <a:p>
-            <a:r>
-              <a:rPr lang="en-CA" sz="1600" b="1">
-                <a:solidFill>
-                  <a:srgbClr val="7030A0"/>
-                </a:solidFill>
-                <a:latin typeface="Open Sans" panose="020B0606030504020204" pitchFamily="34" charset="0"/>
-                <a:ea typeface="Open Sans" panose="020B0606030504020204" pitchFamily="34" charset="0"/>
-                <a:cs typeface="Open Sans" panose="020B0606030504020204" pitchFamily="34" charset="0"/>
-              </a:rPr>
-              <a:t>Declaration</a:t>
-            </a:r>
-            <a:r>
-              <a:rPr lang="en-CA" sz="1600">
-                <a:latin typeface="Open Sans" panose="020B0606030504020204" pitchFamily="34" charset="0"/>
-                <a:ea typeface="Open Sans" panose="020B0606030504020204" pitchFamily="34" charset="0"/>
-                <a:cs typeface="Open Sans" panose="020B0606030504020204" pitchFamily="34" charset="0"/>
-              </a:rPr>
-              <a:t> – The style rule to apply.  In this example, we have only one declaration.  However, we can have multiple style declarations separated by the semi-colon.  Each declaration is made up of a </a:t>
-            </a:r>
-            <a:r>
-              <a:rPr lang="en-CA" sz="1600" b="1">
-                <a:solidFill>
-                  <a:srgbClr val="7030A0"/>
-                </a:solidFill>
-                <a:latin typeface="Open Sans" panose="020B0606030504020204" pitchFamily="34" charset="0"/>
-                <a:ea typeface="Open Sans" panose="020B0606030504020204" pitchFamily="34" charset="0"/>
-                <a:cs typeface="Open Sans" panose="020B0606030504020204" pitchFamily="34" charset="0"/>
-              </a:rPr>
-              <a:t>property</a:t>
-            </a:r>
-            <a:r>
-              <a:rPr lang="en-CA" sz="1600">
-                <a:latin typeface="Open Sans" panose="020B0606030504020204" pitchFamily="34" charset="0"/>
-                <a:ea typeface="Open Sans" panose="020B0606030504020204" pitchFamily="34" charset="0"/>
-                <a:cs typeface="Open Sans" panose="020B0606030504020204" pitchFamily="34" charset="0"/>
-              </a:rPr>
-              <a:t> and and a </a:t>
-            </a:r>
-            <a:r>
-              <a:rPr lang="en-CA" sz="1600" b="1">
-                <a:solidFill>
-                  <a:srgbClr val="7030A0"/>
-                </a:solidFill>
-                <a:latin typeface="Open Sans" panose="020B0606030504020204" pitchFamily="34" charset="0"/>
-                <a:ea typeface="Open Sans" panose="020B0606030504020204" pitchFamily="34" charset="0"/>
-                <a:cs typeface="Open Sans" panose="020B0606030504020204" pitchFamily="34" charset="0"/>
-              </a:rPr>
-              <a:t>property value</a:t>
-            </a:r>
-            <a:r>
-              <a:rPr lang="en-CA" sz="1600">
-                <a:latin typeface="Open Sans" panose="020B0606030504020204" pitchFamily="34" charset="0"/>
-                <a:ea typeface="Open Sans" panose="020B0606030504020204" pitchFamily="34" charset="0"/>
-                <a:cs typeface="Open Sans" panose="020B0606030504020204" pitchFamily="34" charset="0"/>
-              </a:rPr>
-              <a:t>.</a:t>
-            </a:r>
-          </a:p>
-        </p:txBody>
-      </p:sp>
-      <p:sp>
-        <p:nvSpPr>
-          <p:cNvPr id="7" name="TextBox 6">
-            <a:extLst>
-              <a:ext uri="{FF2B5EF4-FFF2-40B4-BE49-F238E27FC236}">
-                <a16:creationId xmlns:a16="http://schemas.microsoft.com/office/drawing/2014/main" id="{CA3069F0-40BC-8E71-AB6E-9E782144B876}"/>
-              </a:ext>
-            </a:extLst>
-          </p:cNvPr>
-          <p:cNvSpPr txBox="1"/>
-          <p:nvPr/>
-        </p:nvSpPr>
-        <p:spPr>
-          <a:xfrm>
-            <a:off x="505425" y="4658616"/>
-            <a:ext cx="11056370" cy="584775"/>
-          </a:xfrm>
-          <a:prstGeom prst="rect">
-            <a:avLst/>
-          </a:prstGeom>
-          <a:noFill/>
-        </p:spPr>
-        <p:txBody>
-          <a:bodyPr wrap="square" rtlCol="0">
-            <a:spAutoFit/>
-          </a:bodyPr>
-          <a:lstStyle/>
-          <a:p>
-            <a:r>
-              <a:rPr lang="en-CA" sz="1600" b="1">
-                <a:solidFill>
-                  <a:srgbClr val="7030A0"/>
-                </a:solidFill>
-                <a:latin typeface="Open Sans" panose="020B0606030504020204" pitchFamily="34" charset="0"/>
-                <a:ea typeface="Open Sans" panose="020B0606030504020204" pitchFamily="34" charset="0"/>
-                <a:cs typeface="Open Sans" panose="020B0606030504020204" pitchFamily="34" charset="0"/>
-              </a:rPr>
-              <a:t>Property</a:t>
-            </a:r>
-            <a:r>
-              <a:rPr lang="en-CA" sz="1600">
-                <a:latin typeface="Open Sans" panose="020B0606030504020204" pitchFamily="34" charset="0"/>
-                <a:ea typeface="Open Sans" panose="020B0606030504020204" pitchFamily="34" charset="0"/>
-                <a:cs typeface="Open Sans" panose="020B0606030504020204" pitchFamily="34" charset="0"/>
-              </a:rPr>
-              <a:t> – The style property to change.  There are many types of properties to choose from, most of which are obvious like font, background, padding, margin, etc…</a:t>
-            </a:r>
-          </a:p>
-        </p:txBody>
-      </p:sp>
-      <p:sp>
-        <p:nvSpPr>
-          <p:cNvPr id="8" name="TextBox 7">
-            <a:extLst>
-              <a:ext uri="{FF2B5EF4-FFF2-40B4-BE49-F238E27FC236}">
-                <a16:creationId xmlns:a16="http://schemas.microsoft.com/office/drawing/2014/main" id="{18C7CC37-20AC-4B50-A7B4-737FCC5E49AB}"/>
-              </a:ext>
-            </a:extLst>
-          </p:cNvPr>
-          <p:cNvSpPr txBox="1"/>
-          <p:nvPr/>
-        </p:nvSpPr>
-        <p:spPr>
-          <a:xfrm>
-            <a:off x="505425" y="5424592"/>
-            <a:ext cx="10675193" cy="584775"/>
-          </a:xfrm>
-          <a:prstGeom prst="rect">
-            <a:avLst/>
-          </a:prstGeom>
-          <a:noFill/>
-        </p:spPr>
-        <p:txBody>
-          <a:bodyPr wrap="square" rtlCol="0">
-            <a:spAutoFit/>
-          </a:bodyPr>
-          <a:lstStyle/>
-          <a:p>
-            <a:r>
-              <a:rPr lang="en-CA" sz="1600" b="1">
-                <a:solidFill>
-                  <a:srgbClr val="7030A0"/>
-                </a:solidFill>
-                <a:latin typeface="Open Sans" panose="020B0606030504020204" pitchFamily="34" charset="0"/>
-                <a:ea typeface="Open Sans" panose="020B0606030504020204" pitchFamily="34" charset="0"/>
-                <a:cs typeface="Open Sans" panose="020B0606030504020204" pitchFamily="34" charset="0"/>
-              </a:rPr>
-              <a:t>Property Value</a:t>
-            </a:r>
-            <a:r>
-              <a:rPr lang="en-CA" sz="1600">
-                <a:latin typeface="Open Sans" panose="020B0606030504020204" pitchFamily="34" charset="0"/>
-                <a:ea typeface="Open Sans" panose="020B0606030504020204" pitchFamily="34" charset="0"/>
-                <a:cs typeface="Open Sans" panose="020B0606030504020204" pitchFamily="34" charset="0"/>
-              </a:rPr>
-              <a:t> – The specific style you wish to apply to a property.  The acceptable properties will depend on the property you are trying to change.</a:t>
-            </a:r>
+            <a:pPr marL="457200" indent="-457200">
+              <a:buFont typeface="Arial" panose="020B0604020202020204" pitchFamily="34" charset="0"/>
+              <a:buChar char="•"/>
+            </a:pPr>
+            <a:r>
+              <a:rPr lang="en-CA" sz="2200" b="1" dirty="0">
+                <a:latin typeface="Open Sans" panose="020B0606030504020204" pitchFamily="34" charset="0"/>
+                <a:ea typeface="Open Sans" panose="020B0606030504020204" pitchFamily="34" charset="0"/>
+                <a:cs typeface="Open Sans" panose="020B0606030504020204" pitchFamily="34" charset="0"/>
+              </a:rPr>
+              <a:t>Maintainability</a:t>
+            </a:r>
+            <a:r>
+              <a:rPr lang="en-CA" sz="2200" dirty="0">
+                <a:latin typeface="Open Sans" panose="020B0606030504020204" pitchFamily="34" charset="0"/>
+                <a:ea typeface="Open Sans" panose="020B0606030504020204" pitchFamily="34" charset="0"/>
+                <a:cs typeface="Open Sans" panose="020B0606030504020204" pitchFamily="34" charset="0"/>
+              </a:rPr>
+              <a:t> – Easier to update themes separate from HTML</a:t>
+            </a:r>
+          </a:p>
+          <a:p>
+            <a:pPr marL="457200" indent="-457200">
+              <a:buFont typeface="Arial" panose="020B0604020202020204" pitchFamily="34" charset="0"/>
+              <a:buChar char="•"/>
+            </a:pPr>
+            <a:endParaRPr lang="en-CA" sz="2200" b="1" dirty="0">
+              <a:latin typeface="Open Sans" panose="020B0606030504020204" pitchFamily="34" charset="0"/>
+              <a:ea typeface="Open Sans" panose="020B0606030504020204" pitchFamily="34" charset="0"/>
+              <a:cs typeface="Open Sans" panose="020B0606030504020204" pitchFamily="34" charset="0"/>
+            </a:endParaRPr>
+          </a:p>
+          <a:p>
+            <a:pPr marL="457200" indent="-457200">
+              <a:buFont typeface="Arial" panose="020B0604020202020204" pitchFamily="34" charset="0"/>
+              <a:buChar char="•"/>
+            </a:pPr>
+            <a:r>
+              <a:rPr lang="en-CA" sz="2200" b="1" dirty="0">
+                <a:latin typeface="Open Sans" panose="020B0606030504020204" pitchFamily="34" charset="0"/>
+                <a:ea typeface="Open Sans" panose="020B0606030504020204" pitchFamily="34" charset="0"/>
+                <a:cs typeface="Open Sans" panose="020B0606030504020204" pitchFamily="34" charset="0"/>
+              </a:rPr>
+              <a:t>Accessibility</a:t>
+            </a:r>
+            <a:r>
+              <a:rPr lang="en-CA" sz="2200" dirty="0">
+                <a:latin typeface="Open Sans" panose="020B0606030504020204" pitchFamily="34" charset="0"/>
+                <a:ea typeface="Open Sans" panose="020B0606030504020204" pitchFamily="34" charset="0"/>
+                <a:cs typeface="Open Sans" panose="020B0606030504020204" pitchFamily="34" charset="0"/>
+              </a:rPr>
+              <a:t> – Individuals using assistive devices</a:t>
+            </a:r>
+          </a:p>
+          <a:p>
+            <a:pPr marL="457200" indent="-457200">
+              <a:buFont typeface="Arial" panose="020B0604020202020204" pitchFamily="34" charset="0"/>
+              <a:buChar char="•"/>
+            </a:pPr>
+            <a:endParaRPr lang="en-CA" sz="2200" dirty="0">
+              <a:latin typeface="Open Sans" panose="020B0606030504020204" pitchFamily="34" charset="0"/>
+              <a:ea typeface="Open Sans" panose="020B0606030504020204" pitchFamily="34" charset="0"/>
+              <a:cs typeface="Open Sans" panose="020B0606030504020204" pitchFamily="34" charset="0"/>
+            </a:endParaRPr>
+          </a:p>
+          <a:p>
+            <a:pPr marL="457200" indent="-457200">
+              <a:buFont typeface="Arial" panose="020B0604020202020204" pitchFamily="34" charset="0"/>
+              <a:buChar char="•"/>
+            </a:pPr>
+            <a:r>
+              <a:rPr lang="en-CA" sz="2200" b="1" dirty="0">
+                <a:latin typeface="Open Sans" panose="020B0606030504020204" pitchFamily="34" charset="0"/>
+                <a:ea typeface="Open Sans" panose="020B0606030504020204" pitchFamily="34" charset="0"/>
+                <a:cs typeface="Open Sans" panose="020B0606030504020204" pitchFamily="34" charset="0"/>
+              </a:rPr>
+              <a:t>Performance/Speed</a:t>
+            </a:r>
+            <a:r>
+              <a:rPr lang="en-CA" sz="2200" dirty="0">
+                <a:latin typeface="Open Sans" panose="020B0606030504020204" pitchFamily="34" charset="0"/>
+                <a:ea typeface="Open Sans" panose="020B0606030504020204" pitchFamily="34" charset="0"/>
+                <a:cs typeface="Open Sans" panose="020B0606030504020204" pitchFamily="34" charset="0"/>
+              </a:rPr>
+              <a:t> – Decrease page load time</a:t>
+            </a:r>
+            <a:endParaRPr lang="en-CA" sz="2200" b="1" dirty="0">
+              <a:latin typeface="Open Sans" panose="020B0606030504020204" pitchFamily="34" charset="0"/>
+              <a:ea typeface="Open Sans" panose="020B0606030504020204" pitchFamily="34" charset="0"/>
+              <a:cs typeface="Open Sans" panose="020B0606030504020204" pitchFamily="34" charset="0"/>
+            </a:endParaRPr>
           </a:p>
         </p:txBody>
       </p:sp>
     </p:spTree>
     <p:extLst>
       <p:ext uri="{BB962C8B-B14F-4D97-AF65-F5344CB8AC3E}">
-        <p14:creationId xmlns:p14="http://schemas.microsoft.com/office/powerpoint/2010/main" val="2847289236"/>
+        <p14:creationId xmlns:p14="http://schemas.microsoft.com/office/powerpoint/2010/main" val="2405481885"/>
       </p:ext>
     </p:extLst>
   </p:cSld>
@@ -14262,7 +14301,7 @@
                   </a:schemeClr>
                 </a:solidFill>
               </a:rPr>
-              <a:t>Middleware</a:t>
+              <a:t>Middleware / Application Logic</a:t>
             </a:r>
             <a:br>
               <a:rPr lang="en-CA" dirty="0">
@@ -14813,249 +14852,6 @@
     <p:extLst>
       <p:ext uri="{BB962C8B-B14F-4D97-AF65-F5344CB8AC3E}">
         <p14:creationId xmlns:p14="http://schemas.microsoft.com/office/powerpoint/2010/main" val="4177040032"/>
-      </p:ext>
-    </p:extLst>
-  </p:cSld>
-  <p:clrMapOvr>
-    <a:masterClrMapping/>
-  </p:clrMapOvr>
-</p:sld>
-</file>
-
-<file path=ppt/slides/slide23.xml><?xml version="1.0" encoding="utf-8"?>
-<p:sld xmlns:a="http://schemas.openxmlformats.org/drawingml/2006/main" xmlns:r="http://schemas.openxmlformats.org/officeDocument/2006/relationships" xmlns:p="http://schemas.openxmlformats.org/presentationml/2006/main">
-  <p:cSld>
-    <p:spTree>
-      <p:nvGrpSpPr>
-        <p:cNvPr id="1" name=""/>
-        <p:cNvGrpSpPr/>
-        <p:nvPr/>
-      </p:nvGrpSpPr>
-      <p:grpSpPr>
-        <a:xfrm>
-          <a:off x="0" y="0"/>
-          <a:ext cx="0" cy="0"/>
-          <a:chOff x="0" y="0"/>
-          <a:chExt cx="0" cy="0"/>
-        </a:xfrm>
-      </p:grpSpPr>
-      <p:sp>
-        <p:nvSpPr>
-          <p:cNvPr id="2" name="Rectangle 1">
-            <a:extLst>
-              <a:ext uri="{FF2B5EF4-FFF2-40B4-BE49-F238E27FC236}">
-                <a16:creationId xmlns:a16="http://schemas.microsoft.com/office/drawing/2014/main" id="{090EFCD4-D13D-44B8-A192-264E803B286D}"/>
-              </a:ext>
-            </a:extLst>
-          </p:cNvPr>
-          <p:cNvSpPr/>
-          <p:nvPr/>
-        </p:nvSpPr>
-        <p:spPr>
-          <a:xfrm>
-            <a:off x="5633456" y="1730825"/>
-            <a:ext cx="798945" cy="45719"/>
-          </a:xfrm>
-          <a:prstGeom prst="rect">
-            <a:avLst/>
-          </a:prstGeom>
-          <a:solidFill>
-            <a:srgbClr val="FF0000"/>
-          </a:solidFill>
-          <a:ln>
-            <a:solidFill>
-              <a:srgbClr val="FF0000"/>
-            </a:solidFill>
-          </a:ln>
-        </p:spPr>
-        <p:style>
-          <a:lnRef idx="2">
-            <a:schemeClr val="accent1">
-              <a:shade val="50000"/>
-            </a:schemeClr>
-          </a:lnRef>
-          <a:fillRef idx="1">
-            <a:schemeClr val="accent1"/>
-          </a:fillRef>
-          <a:effectRef idx="0">
-            <a:schemeClr val="accent1"/>
-          </a:effectRef>
-          <a:fontRef idx="minor">
-            <a:schemeClr val="lt1"/>
-          </a:fontRef>
-        </p:style>
-        <p:txBody>
-          <a:bodyPr rtlCol="0" anchor="ctr"/>
-          <a:lstStyle/>
-          <a:p>
-            <a:pPr algn="ctr"/>
-            <a:endParaRPr lang="en-CA"/>
-          </a:p>
-        </p:txBody>
-      </p:sp>
-      <p:sp>
-        <p:nvSpPr>
-          <p:cNvPr id="3" name="TextBox 2">
-            <a:extLst>
-              <a:ext uri="{FF2B5EF4-FFF2-40B4-BE49-F238E27FC236}">
-                <a16:creationId xmlns:a16="http://schemas.microsoft.com/office/drawing/2014/main" id="{5D99A3F3-57F9-4229-BC23-308EC9A1FEB6}"/>
-              </a:ext>
-            </a:extLst>
-          </p:cNvPr>
-          <p:cNvSpPr txBox="1"/>
-          <p:nvPr/>
-        </p:nvSpPr>
-        <p:spPr>
-          <a:xfrm>
-            <a:off x="1750167" y="913721"/>
-            <a:ext cx="8543464" cy="630942"/>
-          </a:xfrm>
-          <a:prstGeom prst="rect">
-            <a:avLst/>
-          </a:prstGeom>
-          <a:noFill/>
-        </p:spPr>
-        <p:txBody>
-          <a:bodyPr wrap="square" rtlCol="0">
-            <a:spAutoFit/>
-          </a:bodyPr>
-          <a:lstStyle/>
-          <a:p>
-            <a:pPr algn="ctr"/>
-            <a:r>
-              <a:rPr lang="en-CA" sz="3500">
-                <a:latin typeface="Proxima Nova Bl" panose="02000506030000020004" pitchFamily="50" charset="0"/>
-              </a:rPr>
-              <a:t>CONTENT MANAGEMENT SYSTEM</a:t>
-            </a:r>
-          </a:p>
-        </p:txBody>
-      </p:sp>
-      <p:sp>
-        <p:nvSpPr>
-          <p:cNvPr id="4" name="TextBox 3">
-            <a:extLst>
-              <a:ext uri="{FF2B5EF4-FFF2-40B4-BE49-F238E27FC236}">
-                <a16:creationId xmlns:a16="http://schemas.microsoft.com/office/drawing/2014/main" id="{F8267F4E-7F5E-46BE-94A7-0250E4193424}"/>
-              </a:ext>
-            </a:extLst>
-          </p:cNvPr>
-          <p:cNvSpPr txBox="1"/>
-          <p:nvPr/>
-        </p:nvSpPr>
-        <p:spPr>
-          <a:xfrm>
-            <a:off x="1222876" y="2526912"/>
-            <a:ext cx="9746248" cy="2554545"/>
-          </a:xfrm>
-          <a:prstGeom prst="rect">
-            <a:avLst/>
-          </a:prstGeom>
-          <a:noFill/>
-        </p:spPr>
-        <p:txBody>
-          <a:bodyPr wrap="square" rtlCol="0">
-            <a:spAutoFit/>
-          </a:bodyPr>
-          <a:lstStyle/>
-          <a:p>
-            <a:r>
-              <a:rPr lang="en-CA" sz="2000" dirty="0">
-                <a:latin typeface="Open Sans" panose="020B0606030504020204" pitchFamily="34" charset="0"/>
-                <a:ea typeface="Open Sans" panose="020B0606030504020204" pitchFamily="34" charset="0"/>
-                <a:cs typeface="Open Sans" panose="020B0606030504020204" pitchFamily="34" charset="0"/>
-              </a:rPr>
-              <a:t>Let’s you manage website content and style WITHOUT doing HTML CSS coding.</a:t>
-            </a:r>
-          </a:p>
-          <a:p>
-            <a:endParaRPr lang="en-CA" sz="2000" dirty="0">
-              <a:latin typeface="Open Sans" panose="020B0606030504020204" pitchFamily="34" charset="0"/>
-              <a:ea typeface="Open Sans" panose="020B0606030504020204" pitchFamily="34" charset="0"/>
-              <a:cs typeface="Open Sans" panose="020B0606030504020204" pitchFamily="34" charset="0"/>
-            </a:endParaRPr>
-          </a:p>
-          <a:p>
-            <a:r>
-              <a:rPr lang="en-CA" sz="2000" dirty="0">
-                <a:latin typeface="Open Sans" panose="020B0606030504020204" pitchFamily="34" charset="0"/>
-                <a:ea typeface="Open Sans" panose="020B0606030504020204" pitchFamily="34" charset="0"/>
-                <a:cs typeface="Open Sans" panose="020B0606030504020204" pitchFamily="34" charset="0"/>
-              </a:rPr>
-              <a:t>WordPress, Drupal, </a:t>
-            </a:r>
-            <a:r>
-              <a:rPr lang="en-CA" sz="2000" dirty="0" err="1">
-                <a:latin typeface="Open Sans" panose="020B0606030504020204" pitchFamily="34" charset="0"/>
-                <a:ea typeface="Open Sans" panose="020B0606030504020204" pitchFamily="34" charset="0"/>
-                <a:cs typeface="Open Sans" panose="020B0606030504020204" pitchFamily="34" charset="0"/>
-              </a:rPr>
-              <a:t>Wix</a:t>
-            </a:r>
-            <a:r>
-              <a:rPr lang="en-CA" sz="2000" dirty="0">
-                <a:latin typeface="Open Sans" panose="020B0606030504020204" pitchFamily="34" charset="0"/>
-                <a:ea typeface="Open Sans" panose="020B0606030504020204" pitchFamily="34" charset="0"/>
-                <a:cs typeface="Open Sans" panose="020B0606030504020204" pitchFamily="34" charset="0"/>
-              </a:rPr>
-              <a:t>, </a:t>
-            </a:r>
-            <a:r>
-              <a:rPr lang="en-CA" sz="2000" dirty="0" err="1">
-                <a:latin typeface="Open Sans" panose="020B0606030504020204" pitchFamily="34" charset="0"/>
-                <a:ea typeface="Open Sans" panose="020B0606030504020204" pitchFamily="34" charset="0"/>
-                <a:cs typeface="Open Sans" panose="020B0606030504020204" pitchFamily="34" charset="0"/>
-              </a:rPr>
-              <a:t>SquareSpace</a:t>
-            </a:r>
-            <a:r>
-              <a:rPr lang="en-CA" sz="2000" dirty="0">
-                <a:latin typeface="Open Sans" panose="020B0606030504020204" pitchFamily="34" charset="0"/>
-                <a:ea typeface="Open Sans" panose="020B0606030504020204" pitchFamily="34" charset="0"/>
-                <a:cs typeface="Open Sans" panose="020B0606030504020204" pitchFamily="34" charset="0"/>
-              </a:rPr>
-              <a:t> </a:t>
-            </a:r>
-            <a:r>
-              <a:rPr lang="en-CA" sz="2000" dirty="0" err="1">
-                <a:latin typeface="Open Sans" panose="020B0606030504020204" pitchFamily="34" charset="0"/>
-                <a:ea typeface="Open Sans" panose="020B0606030504020204" pitchFamily="34" charset="0"/>
-                <a:cs typeface="Open Sans" panose="020B0606030504020204" pitchFamily="34" charset="0"/>
-              </a:rPr>
-              <a:t>etc</a:t>
-            </a:r>
-            <a:r>
-              <a:rPr lang="en-CA" sz="2000" dirty="0">
-                <a:latin typeface="Open Sans" panose="020B0606030504020204" pitchFamily="34" charset="0"/>
-                <a:ea typeface="Open Sans" panose="020B0606030504020204" pitchFamily="34" charset="0"/>
-                <a:cs typeface="Open Sans" panose="020B0606030504020204" pitchFamily="34" charset="0"/>
-              </a:rPr>
-              <a:t>… These are CMS platforms that essentially makes HTML, CSS and JavaScript code.   Each software gives various levels of freedom, so you need to evaluate a few.</a:t>
-            </a:r>
-          </a:p>
-          <a:p>
-            <a:endParaRPr lang="en-CA" sz="2000" dirty="0">
-              <a:latin typeface="Open Sans" panose="020B0606030504020204" pitchFamily="34" charset="0"/>
-              <a:ea typeface="Open Sans" panose="020B0606030504020204" pitchFamily="34" charset="0"/>
-              <a:cs typeface="Open Sans" panose="020B0606030504020204" pitchFamily="34" charset="0"/>
-            </a:endParaRPr>
-          </a:p>
-          <a:p>
-            <a:r>
-              <a:rPr lang="en-CA" sz="2000" dirty="0">
-                <a:latin typeface="Open Sans" panose="020B0606030504020204" pitchFamily="34" charset="0"/>
-                <a:ea typeface="Open Sans" panose="020B0606030504020204" pitchFamily="34" charset="0"/>
-                <a:cs typeface="Open Sans" panose="020B0606030504020204" pitchFamily="34" charset="0"/>
-              </a:rPr>
-              <a:t>CMS like WordPress and Drupal are open source, and let you get under the hood.</a:t>
-            </a:r>
-          </a:p>
-        </p:txBody>
-      </p:sp>
-    </p:spTree>
-    <p:extLst>
-      <p:ext uri="{BB962C8B-B14F-4D97-AF65-F5344CB8AC3E}">
-        <p14:creationId xmlns:p14="http://schemas.microsoft.com/office/powerpoint/2010/main" val="1701775483"/>
       </p:ext>
     </p:extLst>
   </p:cSld>
@@ -17604,18 +17400,10 @@
                 <a:ea typeface="Open Sans" panose="020B0606030504020204" pitchFamily="34" charset="0"/>
                 <a:cs typeface="Open Sans" panose="020B0606030504020204" pitchFamily="34" charset="0"/>
               </a:rPr>
-              <a:t>C:\</a:t>
-            </a:r>
-            <a:r>
-              <a:rPr lang="en-CA" sz="1200">
-                <a:latin typeface="Open Sans" panose="020B0606030504020204" pitchFamily="34" charset="0"/>
-                <a:ea typeface="Open Sans" panose="020B0606030504020204" pitchFamily="34" charset="0"/>
-                <a:cs typeface="Open Sans" panose="020B0606030504020204" pitchFamily="34" charset="0"/>
-              </a:rPr>
-              <a:t>Users\</a:t>
-            </a:r>
-            <a:r>
-              <a:rPr lang="en-CA" sz="1200" b="1">
+              <a:t>C:\Users\</a:t>
+            </a:r>
+            <a:r>
+              <a:rPr lang="en-CA" sz="1200" b="1" dirty="0">
                 <a:solidFill>
                   <a:srgbClr val="00B0F0"/>
                 </a:solidFill>
@@ -17626,20 +17414,12 @@
               <a:t>Bob</a:t>
             </a:r>
             <a:r>
-              <a:rPr lang="en-CA" sz="1200">
-                <a:latin typeface="Open Sans" panose="020B0606030504020204" pitchFamily="34" charset="0"/>
-                <a:ea typeface="Open Sans" panose="020B0606030504020204" pitchFamily="34" charset="0"/>
-                <a:cs typeface="Open Sans" panose="020B0606030504020204" pitchFamily="34" charset="0"/>
-              </a:rPr>
-              <a:t>\</a:t>
-            </a:r>
-            <a:r>
               <a:rPr lang="en-CA" sz="1200" dirty="0">
                 <a:latin typeface="Open Sans" panose="020B0606030504020204" pitchFamily="34" charset="0"/>
                 <a:ea typeface="Open Sans" panose="020B0606030504020204" pitchFamily="34" charset="0"/>
                 <a:cs typeface="Open Sans" panose="020B0606030504020204" pitchFamily="34" charset="0"/>
               </a:rPr>
-              <a:t>Documents</a:t>
+              <a:t>\Documents</a:t>
             </a:r>
           </a:p>
         </p:txBody>
@@ -18002,23 +17782,7 @@
                 <a:ea typeface="Open Sans" panose="020B0606030504020204" pitchFamily="34" charset="0"/>
                 <a:cs typeface="Open Sans" panose="020B0606030504020204" pitchFamily="34" charset="0"/>
               </a:rPr>
-              <a:t>C:\</a:t>
-            </a:r>
-            <a:r>
-              <a:rPr lang="en-CA" sz="1000">
-                <a:latin typeface="Open Sans" panose="020B0606030504020204" pitchFamily="34" charset="0"/>
-                <a:ea typeface="Open Sans" panose="020B0606030504020204" pitchFamily="34" charset="0"/>
-                <a:cs typeface="Open Sans" panose="020B0606030504020204" pitchFamily="34" charset="0"/>
-              </a:rPr>
-              <a:t>Users\Alice\</a:t>
-            </a:r>
-            <a:r>
-              <a:rPr lang="en-CA" sz="1000" dirty="0">
-                <a:latin typeface="Open Sans" panose="020B0606030504020204" pitchFamily="34" charset="0"/>
-                <a:ea typeface="Open Sans" panose="020B0606030504020204" pitchFamily="34" charset="0"/>
-                <a:cs typeface="Open Sans" panose="020B0606030504020204" pitchFamily="34" charset="0"/>
-              </a:rPr>
-              <a:t>Documents</a:t>
+              <a:t>C:\Users\Alice\Documents</a:t>
             </a:r>
           </a:p>
         </p:txBody>
@@ -20253,7 +20017,7 @@
           <a:lstStyle/>
           <a:p>
             <a:r>
-              <a:rPr lang="en-CA" sz="1000">
+              <a:rPr lang="en-CA" sz="1000" dirty="0">
                 <a:latin typeface="Open Sans" panose="020B0606030504020204" pitchFamily="34" charset="0"/>
                 <a:ea typeface="Open Sans" panose="020B0606030504020204" pitchFamily="34" charset="0"/>
                 <a:cs typeface="Open Sans" panose="020B0606030504020204" pitchFamily="34" charset="0"/>
